--- a/授業資料/GitHub登録方法.pptx
+++ b/授業資料/GitHub登録方法.pptx
@@ -47,14 +47,14 @@
     <p:sldId id="317" r:id="rId41"/>
     <p:sldId id="318" r:id="rId42"/>
     <p:sldId id="319" r:id="rId43"/>
-    <p:sldId id="320" r:id="rId44"/>
-    <p:sldId id="321" r:id="rId45"/>
-    <p:sldId id="322" r:id="rId46"/>
-    <p:sldId id="323" r:id="rId47"/>
-    <p:sldId id="324" r:id="rId48"/>
-    <p:sldId id="325" r:id="rId49"/>
-    <p:sldId id="326" r:id="rId50"/>
-    <p:sldId id="327" r:id="rId51"/>
+    <p:sldId id="326" r:id="rId44"/>
+    <p:sldId id="327" r:id="rId45"/>
+    <p:sldId id="320" r:id="rId46"/>
+    <p:sldId id="321" r:id="rId47"/>
+    <p:sldId id="322" r:id="rId48"/>
+    <p:sldId id="323" r:id="rId49"/>
+    <p:sldId id="324" r:id="rId50"/>
+    <p:sldId id="325" r:id="rId51"/>
     <p:sldId id="328" r:id="rId52"/>
   </p:sldIdLst>
   <p:sldSz cx="12192000" cy="6858000"/>
@@ -4115,6 +4115,13 @@
         </p:nvPicPr>
         <p:blipFill rotWithShape="1">
           <a:blip r:embed="rId2">
+            <a:duotone>
+              <a:schemeClr val="accent1">
+                <a:shade val="45000"/>
+                <a:satMod val="135000"/>
+              </a:schemeClr>
+              <a:prstClr val="white"/>
+            </a:duotone>
             <a:extLst>
               <a:ext uri="{28A0092B-C50C-407E-A947-70E740481C1C}">
                 <a14:useLocalDpi xmlns:a14="http://schemas.microsoft.com/office/drawing/2010/main" val="0"/>
@@ -4523,7 +4530,15 @@
           <p:nvPr/>
         </p:nvPicPr>
         <p:blipFill>
-          <a:blip r:embed="rId2"/>
+          <a:blip r:embed="rId2">
+            <a:duotone>
+              <a:schemeClr val="accent1">
+                <a:shade val="45000"/>
+                <a:satMod val="135000"/>
+              </a:schemeClr>
+              <a:prstClr val="white"/>
+            </a:duotone>
+          </a:blip>
           <a:stretch>
             <a:fillRect/>
           </a:stretch>
@@ -6590,8 +6605,8 @@
         </p:blipFill>
         <p:spPr>
           <a:xfrm>
-            <a:off x="7501188" y="2133600"/>
-            <a:ext cx="3817170" cy="3840589"/>
+            <a:off x="7501187" y="2133600"/>
+            <a:ext cx="4332693" cy="4359275"/>
           </a:xfrm>
           <a:prstGeom prst="rect">
             <a:avLst/>
@@ -6617,16 +6632,159 @@
         </p:nvSpPr>
         <p:spPr>
           <a:xfrm>
-            <a:off x="9982200" y="4343400"/>
-            <a:ext cx="990600" cy="457200"/>
+            <a:off x="10363200" y="4686300"/>
+            <a:ext cx="1012370" cy="495300"/>
           </a:xfrm>
           <a:prstGeom prst="rect">
             <a:avLst/>
           </a:prstGeom>
           <a:noFill/>
-          <a:ln w="28575">
+          <a:ln w="38100">
             <a:solidFill>
               <a:srgbClr val="FF0000"/>
+            </a:solidFill>
+          </a:ln>
+        </p:spPr>
+        <p:style>
+          <a:lnRef idx="2">
+            <a:schemeClr val="accent1">
+              <a:shade val="15000"/>
+            </a:schemeClr>
+          </a:lnRef>
+          <a:fillRef idx="1">
+            <a:schemeClr val="accent1"/>
+          </a:fillRef>
+          <a:effectRef idx="0">
+            <a:schemeClr val="accent1"/>
+          </a:effectRef>
+          <a:fontRef idx="minor">
+            <a:schemeClr val="lt1"/>
+          </a:fontRef>
+        </p:style>
+        <p:txBody>
+          <a:bodyPr rtlCol="0" anchor="ctr"/>
+          <a:lstStyle/>
+          <a:p>
+            <a:pPr algn="ctr"/>
+            <a:endParaRPr kumimoji="1" lang="ja-JP" altLang="en-US"/>
+          </a:p>
+        </p:txBody>
+      </p:sp>
+      <p:sp>
+        <p:nvSpPr>
+          <p:cNvPr id="4" name="正方形/長方形 3">
+            <a:extLst>
+              <a:ext uri="{FF2B5EF4-FFF2-40B4-BE49-F238E27FC236}">
+                <a16:creationId xmlns:a16="http://schemas.microsoft.com/office/drawing/2014/main" id="{C3ECFC81-7CDB-43D6-B16E-7B9AF66EFD31}"/>
+              </a:ext>
+            </a:extLst>
+          </p:cNvPr>
+          <p:cNvSpPr/>
+          <p:nvPr/>
+        </p:nvSpPr>
+        <p:spPr>
+          <a:xfrm>
+            <a:off x="9655630" y="4713514"/>
+            <a:ext cx="685800" cy="228600"/>
+          </a:xfrm>
+          <a:prstGeom prst="rect">
+            <a:avLst/>
+          </a:prstGeom>
+        </p:spPr>
+        <p:style>
+          <a:lnRef idx="2">
+            <a:schemeClr val="accent1">
+              <a:shade val="50000"/>
+            </a:schemeClr>
+          </a:lnRef>
+          <a:fillRef idx="1">
+            <a:schemeClr val="accent1"/>
+          </a:fillRef>
+          <a:effectRef idx="0">
+            <a:schemeClr val="accent1"/>
+          </a:effectRef>
+          <a:fontRef idx="minor">
+            <a:schemeClr val="lt1"/>
+          </a:fontRef>
+        </p:style>
+        <p:txBody>
+          <a:bodyPr rtlCol="0" anchor="ctr"/>
+          <a:lstStyle/>
+          <a:p>
+            <a:pPr algn="ctr"/>
+            <a:endParaRPr kumimoji="1" lang="ja-JP" altLang="en-US"/>
+          </a:p>
+        </p:txBody>
+      </p:sp>
+      <p:sp>
+        <p:nvSpPr>
+          <p:cNvPr id="8" name="正方形/長方形 7">
+            <a:extLst>
+              <a:ext uri="{FF2B5EF4-FFF2-40B4-BE49-F238E27FC236}">
+                <a16:creationId xmlns:a16="http://schemas.microsoft.com/office/drawing/2014/main" id="{C6D3422D-C719-4513-AE2F-AC0052464252}"/>
+              </a:ext>
+            </a:extLst>
+          </p:cNvPr>
+          <p:cNvSpPr/>
+          <p:nvPr/>
+        </p:nvSpPr>
+        <p:spPr>
+          <a:xfrm>
+            <a:off x="8605160" y="4980214"/>
+            <a:ext cx="685800" cy="228600"/>
+          </a:xfrm>
+          <a:prstGeom prst="rect">
+            <a:avLst/>
+          </a:prstGeom>
+        </p:spPr>
+        <p:style>
+          <a:lnRef idx="2">
+            <a:schemeClr val="accent1">
+              <a:shade val="50000"/>
+            </a:schemeClr>
+          </a:lnRef>
+          <a:fillRef idx="1">
+            <a:schemeClr val="accent1"/>
+          </a:fillRef>
+          <a:effectRef idx="0">
+            <a:schemeClr val="accent1"/>
+          </a:effectRef>
+          <a:fontRef idx="minor">
+            <a:schemeClr val="lt1"/>
+          </a:fontRef>
+        </p:style>
+        <p:txBody>
+          <a:bodyPr rtlCol="0" anchor="ctr"/>
+          <a:lstStyle/>
+          <a:p>
+            <a:pPr algn="ctr"/>
+            <a:endParaRPr kumimoji="1" lang="ja-JP" altLang="en-US"/>
+          </a:p>
+        </p:txBody>
+      </p:sp>
+      <p:sp>
+        <p:nvSpPr>
+          <p:cNvPr id="9" name="正方形/長方形 8">
+            <a:extLst>
+              <a:ext uri="{FF2B5EF4-FFF2-40B4-BE49-F238E27FC236}">
+                <a16:creationId xmlns:a16="http://schemas.microsoft.com/office/drawing/2014/main" id="{67B92E2B-63D5-423C-9A91-462EA7442E24}"/>
+              </a:ext>
+            </a:extLst>
+          </p:cNvPr>
+          <p:cNvSpPr/>
+          <p:nvPr/>
+        </p:nvSpPr>
+        <p:spPr>
+          <a:xfrm>
+            <a:off x="7956350" y="4637314"/>
+            <a:ext cx="501850" cy="544286"/>
+          </a:xfrm>
+          <a:prstGeom prst="rect">
+            <a:avLst/>
+          </a:prstGeom>
+          <a:ln>
+            <a:solidFill>
+              <a:schemeClr val="accent1"/>
             </a:solidFill>
           </a:ln>
         </p:spPr>
@@ -7856,57 +8014,6 @@
       </p:sp>
       <p:sp>
         <p:nvSpPr>
-          <p:cNvPr id="12" name="正方形/長方形 11">
-            <a:extLst>
-              <a:ext uri="{FF2B5EF4-FFF2-40B4-BE49-F238E27FC236}">
-                <a16:creationId xmlns:a16="http://schemas.microsoft.com/office/drawing/2014/main" id="{15327E4F-986F-EEA4-8BA2-659C6DCC7EDA}"/>
-              </a:ext>
-            </a:extLst>
-          </p:cNvPr>
-          <p:cNvSpPr/>
-          <p:nvPr/>
-        </p:nvSpPr>
-        <p:spPr>
-          <a:xfrm>
-            <a:off x="6172200" y="2743200"/>
-            <a:ext cx="381000" cy="381000"/>
-          </a:xfrm>
-          <a:prstGeom prst="rect">
-            <a:avLst/>
-          </a:prstGeom>
-          <a:ln>
-            <a:solidFill>
-              <a:schemeClr val="accent1"/>
-            </a:solidFill>
-          </a:ln>
-        </p:spPr>
-        <p:style>
-          <a:lnRef idx="2">
-            <a:schemeClr val="accent1">
-              <a:shade val="15000"/>
-            </a:schemeClr>
-          </a:lnRef>
-          <a:fillRef idx="1">
-            <a:schemeClr val="accent1"/>
-          </a:fillRef>
-          <a:effectRef idx="0">
-            <a:schemeClr val="accent1"/>
-          </a:effectRef>
-          <a:fontRef idx="minor">
-            <a:schemeClr val="lt1"/>
-          </a:fontRef>
-        </p:style>
-        <p:txBody>
-          <a:bodyPr rtlCol="0" anchor="ctr"/>
-          <a:lstStyle/>
-          <a:p>
-            <a:pPr algn="ctr"/>
-            <a:endParaRPr kumimoji="1" lang="ja-JP" altLang="en-US"/>
-          </a:p>
-        </p:txBody>
-      </p:sp>
-      <p:sp>
-        <p:nvSpPr>
           <p:cNvPr id="13" name="正方形/長方形 12">
             <a:extLst>
               <a:ext uri="{FF2B5EF4-FFF2-40B4-BE49-F238E27FC236}">
@@ -8584,7 +8691,14 @@
               <a:rPr lang="en-US" altLang="ja-JP" sz="3600" dirty="0"/>
             </a:br>
             <a:r>
-              <a:rPr lang="en-US" altLang="ja-JP" sz="3600" dirty="0"/>
+              <a:rPr lang="en-US" altLang="ja-JP" sz="3600" dirty="0">
+                <a:solidFill>
+                  <a:schemeClr val="bg1"/>
+                </a:solidFill>
+                <a:highlight>
+                  <a:srgbClr val="0000FF"/>
+                </a:highlight>
+              </a:rPr>
               <a:t>[Finish]</a:t>
             </a:r>
             <a:r>
@@ -8865,7 +8979,7 @@
 </file>
 
 <file path=ppt/slides/slide28.xml><?xml version="1.0" encoding="utf-8"?>
-<p:sld xmlns:a="http://schemas.openxmlformats.org/drawingml/2006/main" xmlns:r="http://schemas.openxmlformats.org/officeDocument/2006/relationships" xmlns:p="http://schemas.openxmlformats.org/presentationml/2006/main">
+<p:sld xmlns:a="http://schemas.openxmlformats.org/drawingml/2006/main" xmlns:r="http://schemas.openxmlformats.org/officeDocument/2006/relationships" xmlns:p="http://schemas.openxmlformats.org/presentationml/2006/main" show="0">
   <p:cSld>
     <p:spTree>
       <p:nvGrpSpPr>
@@ -9041,7 +9155,7 @@
 </file>
 
 <file path=ppt/slides/slide29.xml><?xml version="1.0" encoding="utf-8"?>
-<p:sld xmlns:a="http://schemas.openxmlformats.org/drawingml/2006/main" xmlns:r="http://schemas.openxmlformats.org/officeDocument/2006/relationships" xmlns:p="http://schemas.openxmlformats.org/presentationml/2006/main">
+<p:sld xmlns:a="http://schemas.openxmlformats.org/drawingml/2006/main" xmlns:r="http://schemas.openxmlformats.org/officeDocument/2006/relationships" xmlns:p="http://schemas.openxmlformats.org/presentationml/2006/main" show="0">
   <p:cSld>
     <p:spTree>
       <p:nvGrpSpPr>
@@ -9415,7 +9529,7 @@
             </a:br>
             <a:r>
               <a:rPr lang="ja-JP" altLang="en-US" sz="3600" dirty="0"/>
-              <a:t>を参考にしてください</a:t>
+              <a:t>を参考にする</a:t>
             </a:r>
             <a:endParaRPr kumimoji="1" lang="en-US" altLang="ja-JP" sz="3600" dirty="0"/>
           </a:p>
@@ -9730,7 +9844,7 @@
 </file>
 
 <file path=ppt/slides/slide30.xml><?xml version="1.0" encoding="utf-8"?>
-<p:sld xmlns:a="http://schemas.openxmlformats.org/drawingml/2006/main" xmlns:r="http://schemas.openxmlformats.org/officeDocument/2006/relationships" xmlns:p="http://schemas.openxmlformats.org/presentationml/2006/main">
+<p:sld xmlns:a="http://schemas.openxmlformats.org/drawingml/2006/main" xmlns:r="http://schemas.openxmlformats.org/officeDocument/2006/relationships" xmlns:p="http://schemas.openxmlformats.org/presentationml/2006/main" show="0">
   <p:cSld>
     <p:spTree>
       <p:nvGrpSpPr>
@@ -9961,7 +10075,7 @@
 </file>
 
 <file path=ppt/slides/slide31.xml><?xml version="1.0" encoding="utf-8"?>
-<p:sld xmlns:a="http://schemas.openxmlformats.org/drawingml/2006/main" xmlns:r="http://schemas.openxmlformats.org/officeDocument/2006/relationships" xmlns:p="http://schemas.openxmlformats.org/presentationml/2006/main">
+<p:sld xmlns:a="http://schemas.openxmlformats.org/drawingml/2006/main" xmlns:r="http://schemas.openxmlformats.org/officeDocument/2006/relationships" xmlns:p="http://schemas.openxmlformats.org/presentationml/2006/main" show="0">
   <p:cSld>
     <p:spTree>
       <p:nvGrpSpPr>
@@ -10085,7 +10199,7 @@
 </file>
 
 <file path=ppt/slides/slide32.xml><?xml version="1.0" encoding="utf-8"?>
-<p:sld xmlns:a="http://schemas.openxmlformats.org/drawingml/2006/main" xmlns:r="http://schemas.openxmlformats.org/officeDocument/2006/relationships" xmlns:p="http://schemas.openxmlformats.org/presentationml/2006/main">
+<p:sld xmlns:a="http://schemas.openxmlformats.org/drawingml/2006/main" xmlns:r="http://schemas.openxmlformats.org/officeDocument/2006/relationships" xmlns:p="http://schemas.openxmlformats.org/presentationml/2006/main" show="0">
   <p:cSld>
     <p:spTree>
       <p:nvGrpSpPr>
@@ -10285,7 +10399,7 @@
 </file>
 
 <file path=ppt/slides/slide33.xml><?xml version="1.0" encoding="utf-8"?>
-<p:sld xmlns:a="http://schemas.openxmlformats.org/drawingml/2006/main" xmlns:r="http://schemas.openxmlformats.org/officeDocument/2006/relationships" xmlns:p="http://schemas.openxmlformats.org/presentationml/2006/main">
+<p:sld xmlns:a="http://schemas.openxmlformats.org/drawingml/2006/main" xmlns:r="http://schemas.openxmlformats.org/officeDocument/2006/relationships" xmlns:p="http://schemas.openxmlformats.org/presentationml/2006/main" show="0">
   <p:cSld>
     <p:spTree>
       <p:nvGrpSpPr>
@@ -10456,7 +10570,7 @@
 </file>
 
 <file path=ppt/slides/slide34.xml><?xml version="1.0" encoding="utf-8"?>
-<p:sld xmlns:a="http://schemas.openxmlformats.org/drawingml/2006/main" xmlns:r="http://schemas.openxmlformats.org/officeDocument/2006/relationships" xmlns:p="http://schemas.openxmlformats.org/presentationml/2006/main">
+<p:sld xmlns:a="http://schemas.openxmlformats.org/drawingml/2006/main" xmlns:r="http://schemas.openxmlformats.org/officeDocument/2006/relationships" xmlns:p="http://schemas.openxmlformats.org/presentationml/2006/main" show="0">
   <p:cSld>
     <p:spTree>
       <p:nvGrpSpPr>
@@ -10625,7 +10739,7 @@
 </file>
 
 <file path=ppt/slides/slide35.xml><?xml version="1.0" encoding="utf-8"?>
-<p:sld xmlns:a="http://schemas.openxmlformats.org/drawingml/2006/main" xmlns:r="http://schemas.openxmlformats.org/officeDocument/2006/relationships" xmlns:p="http://schemas.openxmlformats.org/presentationml/2006/main">
+<p:sld xmlns:a="http://schemas.openxmlformats.org/drawingml/2006/main" xmlns:r="http://schemas.openxmlformats.org/officeDocument/2006/relationships" xmlns:p="http://schemas.openxmlformats.org/presentationml/2006/main" show="0">
   <p:cSld>
     <p:spTree>
       <p:nvGrpSpPr>
@@ -10949,7 +11063,7 @@
 </file>
 
 <file path=ppt/slides/slide36.xml><?xml version="1.0" encoding="utf-8"?>
-<p:sld xmlns:a="http://schemas.openxmlformats.org/drawingml/2006/main" xmlns:r="http://schemas.openxmlformats.org/officeDocument/2006/relationships" xmlns:p="http://schemas.openxmlformats.org/presentationml/2006/main">
+<p:sld xmlns:a="http://schemas.openxmlformats.org/drawingml/2006/main" xmlns:r="http://schemas.openxmlformats.org/officeDocument/2006/relationships" xmlns:p="http://schemas.openxmlformats.org/presentationml/2006/main" show="0">
   <p:cSld>
     <p:spTree>
       <p:nvGrpSpPr>
@@ -11131,7 +11245,7 @@
 </file>
 
 <file path=ppt/slides/slide37.xml><?xml version="1.0" encoding="utf-8"?>
-<p:sld xmlns:a="http://schemas.openxmlformats.org/drawingml/2006/main" xmlns:r="http://schemas.openxmlformats.org/officeDocument/2006/relationships" xmlns:p="http://schemas.openxmlformats.org/presentationml/2006/main">
+<p:sld xmlns:a="http://schemas.openxmlformats.org/drawingml/2006/main" xmlns:r="http://schemas.openxmlformats.org/officeDocument/2006/relationships" xmlns:p="http://schemas.openxmlformats.org/presentationml/2006/main" show="0">
   <p:cSld>
     <p:spTree>
       <p:nvGrpSpPr>
@@ -11512,7 +11626,7 @@
 </file>
 
 <file path=ppt/slides/slide38.xml><?xml version="1.0" encoding="utf-8"?>
-<p:sld xmlns:a="http://schemas.openxmlformats.org/drawingml/2006/main" xmlns:r="http://schemas.openxmlformats.org/officeDocument/2006/relationships" xmlns:p="http://schemas.openxmlformats.org/presentationml/2006/main">
+<p:sld xmlns:a="http://schemas.openxmlformats.org/drawingml/2006/main" xmlns:r="http://schemas.openxmlformats.org/officeDocument/2006/relationships" xmlns:p="http://schemas.openxmlformats.org/presentationml/2006/main" show="0">
   <p:cSld>
     <p:spTree>
       <p:nvGrpSpPr>
@@ -12082,26 +12196,38 @@
               <a:rPr kumimoji="1" lang="en-US" altLang="ja-JP" sz="3600" dirty="0"/>
             </a:br>
             <a:r>
+              <a:rPr kumimoji="1" lang="en-US" altLang="ja-JP" sz="3600" dirty="0">
+                <a:solidFill>
+                  <a:srgbClr val="FF0000"/>
+                </a:solidFill>
+              </a:rPr>
+              <a:t>8</a:t>
+            </a:r>
+            <a:r>
+              <a:rPr kumimoji="1" lang="ja-JP" altLang="en-US" sz="3600" dirty="0">
+                <a:solidFill>
+                  <a:srgbClr val="FF0000"/>
+                </a:solidFill>
+              </a:rPr>
+              <a:t>文字以上の英数字混合</a:t>
+            </a:r>
+            <a:r>
+              <a:rPr kumimoji="1" lang="ja-JP" altLang="en-US" sz="3600" dirty="0"/>
+              <a:t>のパスワード</a:t>
+            </a:r>
+            <a:br>
               <a:rPr kumimoji="1" lang="en-US" altLang="ja-JP" sz="3600" dirty="0"/>
-              <a:t>8</a:t>
-            </a:r>
+            </a:br>
             <a:r>
               <a:rPr kumimoji="1" lang="ja-JP" altLang="en-US" sz="3600" dirty="0"/>
-              <a:t>文字以上の英数字混合のパスワード</a:t>
+              <a:t>一般的によく使用されるパスワードは警告が</a:t>
             </a:r>
             <a:br>
               <a:rPr kumimoji="1" lang="en-US" altLang="ja-JP" sz="3600" dirty="0"/>
             </a:br>
             <a:r>
               <a:rPr kumimoji="1" lang="ja-JP" altLang="en-US" sz="3600" dirty="0"/>
-              <a:t>よく使用されるパスワードは警告が表示されて</a:t>
-            </a:r>
-            <a:br>
-              <a:rPr kumimoji="1" lang="en-US" altLang="ja-JP" sz="3600" dirty="0"/>
-            </a:br>
-            <a:r>
-              <a:rPr kumimoji="1" lang="ja-JP" altLang="en-US" sz="3600" dirty="0"/>
-              <a:t>設定することができません</a:t>
+              <a:t>表示されて設定することができない</a:t>
             </a:r>
             <a:endParaRPr kumimoji="1" lang="en-US" altLang="ja-JP" sz="3600" dirty="0"/>
           </a:p>
@@ -12636,7 +12762,15 @@
             </a:br>
             <a:r>
               <a:rPr lang="ja-JP" altLang="en-US" sz="3600" dirty="0"/>
-              <a:t>は入れておく</a:t>
+              <a:t>は</a:t>
+            </a:r>
+            <a:r>
+              <a:rPr lang="en-US" altLang="ja-JP" sz="3600" dirty="0"/>
+              <a:t>ON/OFF</a:t>
+            </a:r>
+            <a:r>
+              <a:rPr lang="ja-JP" altLang="en-US" sz="3600" dirty="0"/>
+              <a:t>どちらでもよい</a:t>
             </a:r>
             <a:br>
               <a:rPr lang="en-US" altLang="ja-JP" sz="3600" dirty="0"/>
@@ -12654,11 +12788,15 @@
             </a:r>
             <a:r>
               <a:rPr lang="ja-JP" altLang="en-US" sz="3600" dirty="0"/>
-              <a:t>は「</a:t>
+              <a:t>は「 </a:t>
+            </a:r>
+            <a:r>
+              <a:rPr lang="en-US" altLang="ja-JP" sz="4400" b="1" dirty="0"/>
+              <a:t>C</a:t>
             </a:r>
             <a:r>
               <a:rPr lang="en-US" altLang="ja-JP" sz="3600" dirty="0"/>
-              <a:t>C</a:t>
+              <a:t> </a:t>
             </a:r>
             <a:r>
               <a:rPr lang="ja-JP" altLang="en-US" sz="3600" dirty="0"/>
@@ -12667,6 +12805,10 @@
             <a:br>
               <a:rPr lang="en-US" altLang="ja-JP" sz="3600" dirty="0"/>
             </a:br>
+            <a:r>
+              <a:rPr lang="ja-JP" altLang="en-US" sz="3600" b="1" u="sng" dirty="0"/>
+              <a:t>必ず</a:t>
+            </a:r>
             <a:r>
               <a:rPr lang="ja-JP" altLang="en-US" sz="3600" dirty="0"/>
               <a:t>しておく</a:t>
@@ -13370,88 +13512,37 @@
             </a:br>
             <a:r>
               <a:rPr lang="ja-JP" altLang="en-US" sz="3600" dirty="0"/>
-              <a:t>エクスプローラで</a:t>
-            </a:r>
-            <a:r>
+              <a:t>右ペインに</a:t>
+            </a:r>
+            <a:r>
+              <a:rPr lang="en-US" altLang="ja-JP" sz="3600" dirty="0">
+                <a:solidFill>
+                  <a:srgbClr val="00B0F0"/>
+                </a:solidFill>
+              </a:rPr>
+              <a:t>[Publish repository]</a:t>
+            </a:r>
+            <a:r>
+              <a:rPr lang="ja-JP" altLang="en-US" sz="3600" dirty="0"/>
+              <a:t>ボタンが</a:t>
+            </a:r>
+            <a:br>
               <a:rPr lang="en-US" altLang="ja-JP" sz="3600" dirty="0"/>
-              <a:t>C</a:t>
-            </a:r>
+            </a:br>
             <a:r>
               <a:rPr lang="ja-JP" altLang="en-US" sz="3600" dirty="0"/>
-              <a:t>ドライブの</a:t>
-            </a:r>
-            <a:r>
-              <a:rPr lang="en-US" altLang="ja-JP" sz="3600" dirty="0"/>
-              <a:t>GitHub</a:t>
-            </a:r>
-            <a:r>
-              <a:rPr lang="ja-JP" altLang="en-US" sz="3600" dirty="0"/>
-              <a:t>フォルダを</a:t>
-            </a:r>
-            <a:br>
-              <a:rPr lang="en-US" altLang="ja-JP" sz="3600" dirty="0"/>
-            </a:br>
-            <a:r>
-              <a:rPr lang="ja-JP" altLang="en-US" sz="3600" dirty="0"/>
-              <a:t>開くと、リポジトリ名と同じフォルダがある</a:t>
+              <a:t>表示されているので、このボタンをクリック</a:t>
             </a:r>
             <a:endParaRPr lang="en-US" altLang="ja-JP" sz="3600" dirty="0"/>
-          </a:p>
-        </p:txBody>
-      </p:sp>
-      <p:sp>
-        <p:nvSpPr>
-          <p:cNvPr id="6" name="テキスト ボックス 5">
-            <a:extLst>
-              <a:ext uri="{FF2B5EF4-FFF2-40B4-BE49-F238E27FC236}">
-                <a16:creationId xmlns:a16="http://schemas.microsoft.com/office/drawing/2014/main" id="{9354CB41-C6FF-3B66-9071-EF7B99E866BF}"/>
-              </a:ext>
-            </a:extLst>
-          </p:cNvPr>
-          <p:cNvSpPr txBox="1"/>
-          <p:nvPr/>
-        </p:nvSpPr>
-        <p:spPr>
-          <a:xfrm>
-            <a:off x="3124200" y="6262042"/>
-            <a:ext cx="5589992" cy="461665"/>
-          </a:xfrm>
-          <a:prstGeom prst="rect">
-            <a:avLst/>
-          </a:prstGeom>
-          <a:noFill/>
-        </p:spPr>
-        <p:txBody>
-          <a:bodyPr wrap="none" rtlCol="0">
-            <a:spAutoFit/>
-          </a:bodyPr>
-          <a:lstStyle/>
-          <a:p>
-            <a:r>
-              <a:rPr kumimoji="1" lang="en-US" altLang="ja-JP" sz="2400" dirty="0"/>
-              <a:t>※</a:t>
-            </a:r>
-            <a:r>
-              <a:rPr kumimoji="1" lang="ja-JP" altLang="en-US" sz="2400" dirty="0"/>
-              <a:t>この例ではリポジトリ名は「</a:t>
-            </a:r>
-            <a:r>
-              <a:rPr kumimoji="1" lang="en-US" altLang="ja-JP" sz="2400" dirty="0"/>
-              <a:t>clang24</a:t>
-            </a:r>
-            <a:r>
-              <a:rPr kumimoji="1" lang="ja-JP" altLang="en-US" sz="2400" dirty="0"/>
-              <a:t>」</a:t>
-            </a:r>
           </a:p>
         </p:txBody>
       </p:sp>
       <p:pic>
         <p:nvPicPr>
-          <p:cNvPr id="7" name="図 6">
-            <a:extLst>
-              <a:ext uri="{FF2B5EF4-FFF2-40B4-BE49-F238E27FC236}">
-                <a16:creationId xmlns:a16="http://schemas.microsoft.com/office/drawing/2014/main" id="{B56AC40D-E134-E547-7B14-24E6C4AEE264}"/>
+          <p:cNvPr id="10" name="図 9">
+            <a:extLst>
+              <a:ext uri="{FF2B5EF4-FFF2-40B4-BE49-F238E27FC236}">
+                <a16:creationId xmlns:a16="http://schemas.microsoft.com/office/drawing/2014/main" id="{A3A0004F-3E1A-D125-D5A8-2C8874FC10F2}"/>
               </a:ext>
             </a:extLst>
           </p:cNvPr>
@@ -13468,25 +13559,20 @@
         </p:blipFill>
         <p:spPr>
           <a:xfrm>
-            <a:off x="3124200" y="3531856"/>
-            <a:ext cx="5715000" cy="2730186"/>
+            <a:off x="1591442" y="3892402"/>
+            <a:ext cx="9009116" cy="1847107"/>
           </a:xfrm>
           <a:prstGeom prst="rect">
             <a:avLst/>
           </a:prstGeom>
-          <a:ln>
-            <a:solidFill>
-              <a:schemeClr val="tx1"/>
-            </a:solidFill>
-          </a:ln>
         </p:spPr>
       </p:pic>
       <p:sp>
         <p:nvSpPr>
-          <p:cNvPr id="8" name="正方形/長方形 7">
-            <a:extLst>
-              <a:ext uri="{FF2B5EF4-FFF2-40B4-BE49-F238E27FC236}">
-                <a16:creationId xmlns:a16="http://schemas.microsoft.com/office/drawing/2014/main" id="{E7D725F2-EA3E-5262-832C-1C8E56497F64}"/>
+          <p:cNvPr id="8" name="矢印: 下 7">
+            <a:extLst>
+              <a:ext uri="{FF2B5EF4-FFF2-40B4-BE49-F238E27FC236}">
+                <a16:creationId xmlns:a16="http://schemas.microsoft.com/office/drawing/2014/main" id="{2E09F599-70C7-3C3B-4E66-1CA9615DC6AE}"/>
               </a:ext>
             </a:extLst>
           </p:cNvPr>
@@ -13495,18 +13581,15 @@
         </p:nvSpPr>
         <p:spPr>
           <a:xfrm>
-            <a:off x="3352800" y="4191000"/>
-            <a:ext cx="1447800" cy="461664"/>
-          </a:xfrm>
-          <a:prstGeom prst="rect">
+            <a:off x="9067800" y="4065181"/>
+            <a:ext cx="457200" cy="533400"/>
+          </a:xfrm>
+          <a:prstGeom prst="downArrow">
             <a:avLst/>
           </a:prstGeom>
-          <a:noFill/>
-          <a:ln w="38100">
-            <a:solidFill>
-              <a:srgbClr val="FF0000"/>
-            </a:solidFill>
-          </a:ln>
+          <a:solidFill>
+            <a:srgbClr val="FF0000"/>
+          </a:solidFill>
         </p:spPr>
         <p:style>
           <a:lnRef idx="2">
@@ -13536,7 +13619,7 @@
     </p:spTree>
     <p:extLst>
       <p:ext uri="{BB962C8B-B14F-4D97-AF65-F5344CB8AC3E}">
-        <p14:creationId xmlns:p14="http://schemas.microsoft.com/office/powerpoint/2010/main" val="2884993949"/>
+        <p14:creationId xmlns:p14="http://schemas.microsoft.com/office/powerpoint/2010/main" val="2673914920"/>
       </p:ext>
     </p:extLst>
   </p:cSld>
@@ -13634,58 +13717,225 @@
               <a:rPr lang="en-US" altLang="ja-JP" sz="3600" dirty="0"/>
             </a:br>
             <a:r>
+              <a:rPr lang="en-US" altLang="ja-JP" sz="3600" dirty="0"/>
+              <a:t>Name</a:t>
+            </a:r>
+            <a:r>
               <a:rPr lang="ja-JP" altLang="en-US" sz="3600" dirty="0"/>
-              <a:t>リポジトリ名のフォルダの中に入るとこのようなファイルが作成されていることを確認</a:t>
+              <a:t>にリポジトリ名が</a:t>
+            </a:r>
+            <a:br>
+              <a:rPr lang="en-US" altLang="ja-JP" sz="3600" dirty="0"/>
+            </a:br>
+            <a:r>
+              <a:rPr lang="ja-JP" altLang="en-US" sz="3600" dirty="0"/>
+              <a:t>入っていることを確認</a:t>
+            </a:r>
+            <a:br>
+              <a:rPr lang="en-US" altLang="ja-JP" sz="3600" dirty="0"/>
+            </a:br>
+            <a:r>
+              <a:rPr lang="ja-JP" altLang="en-US" sz="3600" dirty="0"/>
+              <a:t>してから</a:t>
+            </a:r>
+            <a:br>
+              <a:rPr lang="en-US" altLang="ja-JP" sz="3600" dirty="0"/>
+            </a:br>
+            <a:br>
+              <a:rPr lang="en-US" altLang="ja-JP" sz="3600" dirty="0"/>
+            </a:br>
+            <a:r>
+              <a:rPr lang="en-US" altLang="ja-JP" b="1" dirty="0">
+                <a:solidFill>
+                  <a:srgbClr val="00B0F0"/>
+                </a:solidFill>
+              </a:rPr>
+              <a:t>[Publish Repository]</a:t>
+            </a:r>
+            <a:br>
+              <a:rPr lang="en-US" altLang="ja-JP" b="1" dirty="0">
+                <a:solidFill>
+                  <a:srgbClr val="00B0F0"/>
+                </a:solidFill>
+              </a:rPr>
+            </a:br>
+            <a:br>
+              <a:rPr lang="en-US" altLang="ja-JP" b="1" dirty="0">
+                <a:solidFill>
+                  <a:srgbClr val="00B0F0"/>
+                </a:solidFill>
+              </a:rPr>
+            </a:br>
+            <a:r>
+              <a:rPr lang="ja-JP" altLang="en-US" sz="3600" dirty="0"/>
+              <a:t>をクリック</a:t>
             </a:r>
             <a:endParaRPr lang="en-US" altLang="ja-JP" sz="3600" dirty="0"/>
           </a:p>
         </p:txBody>
       </p:sp>
-      <p:pic>
-        <p:nvPicPr>
-          <p:cNvPr id="5" name="図 4">
-            <a:extLst>
-              <a:ext uri="{FF2B5EF4-FFF2-40B4-BE49-F238E27FC236}">
-                <a16:creationId xmlns:a16="http://schemas.microsoft.com/office/drawing/2014/main" id="{5CCE03D6-6391-8219-70A7-97FDA97E4AE5}"/>
-              </a:ext>
-            </a:extLst>
-          </p:cNvPr>
-          <p:cNvPicPr>
-            <a:picLocks noChangeAspect="1"/>
-          </p:cNvPicPr>
+      <p:graphicFrame>
+        <p:nvGraphicFramePr>
+          <p:cNvPr id="4" name="オブジェクト 3">
+            <a:extLst>
+              <a:ext uri="{FF2B5EF4-FFF2-40B4-BE49-F238E27FC236}">
+                <a16:creationId xmlns:a16="http://schemas.microsoft.com/office/drawing/2014/main" id="{DDD7AF69-33A5-1355-DD0B-EBE5F9C1ADB1}"/>
+              </a:ext>
+            </a:extLst>
+          </p:cNvPr>
+          <p:cNvGraphicFramePr>
+            <a:graphicFrameLocks noChangeAspect="1"/>
+          </p:cNvGraphicFramePr>
+          <p:nvPr>
+            <p:extLst/>
+          </p:nvPr>
+        </p:nvGraphicFramePr>
+        <p:xfrm>
+          <a:off x="5943600" y="1981200"/>
+          <a:ext cx="5943600" cy="4142436"/>
+        </p:xfrm>
+        <a:graphic>
+          <a:graphicData uri="http://schemas.openxmlformats.org/presentationml/2006/ole">
+            <mc:AlternateContent xmlns:mc="http://schemas.openxmlformats.org/markup-compatibility/2006">
+              <mc:Choice xmlns:v="urn:schemas-microsoft-com:vml" Requires="v">
+                <p:oleObj spid="_x0000_s2050" r:id="rId3" imgW="12511119" imgH="8719558" progId="">
+                  <p:embed/>
+                </p:oleObj>
+              </mc:Choice>
+              <mc:Fallback>
+                <p:oleObj r:id="rId3" imgW="12511119" imgH="8719558" progId="">
+                  <p:embed/>
+                  <p:pic>
+                    <p:nvPicPr>
+                      <p:cNvPr id="4" name="オブジェクト 3">
+                        <a:extLst>
+                          <a:ext uri="{FF2B5EF4-FFF2-40B4-BE49-F238E27FC236}">
+                            <a16:creationId xmlns:a16="http://schemas.microsoft.com/office/drawing/2014/main" id="{DDD7AF69-33A5-1355-DD0B-EBE5F9C1ADB1}"/>
+                          </a:ext>
+                        </a:extLst>
+                      </p:cNvPr>
+                      <p:cNvPicPr/>
+                      <p:nvPr/>
+                    </p:nvPicPr>
+                    <p:blipFill>
+                      <a:blip r:embed="rId4"/>
+                      <a:stretch>
+                        <a:fillRect/>
+                      </a:stretch>
+                    </p:blipFill>
+                    <p:spPr>
+                      <a:xfrm>
+                        <a:off x="5943600" y="1981200"/>
+                        <a:ext cx="5943600" cy="4142436"/>
+                      </a:xfrm>
+                      <a:prstGeom prst="rect">
+                        <a:avLst/>
+                      </a:prstGeom>
+                      <a:ln>
+                        <a:solidFill>
+                          <a:schemeClr val="tx1"/>
+                        </a:solidFill>
+                      </a:ln>
+                    </p:spPr>
+                  </p:pic>
+                </p:oleObj>
+              </mc:Fallback>
+            </mc:AlternateContent>
+          </a:graphicData>
+        </a:graphic>
+      </p:graphicFrame>
+      <p:sp>
+        <p:nvSpPr>
+          <p:cNvPr id="8" name="矢印: 下 7">
+            <a:extLst>
+              <a:ext uri="{FF2B5EF4-FFF2-40B4-BE49-F238E27FC236}">
+                <a16:creationId xmlns:a16="http://schemas.microsoft.com/office/drawing/2014/main" id="{2E09F599-70C7-3C3B-4E66-1CA9615DC6AE}"/>
+              </a:ext>
+            </a:extLst>
+          </p:cNvPr>
+          <p:cNvSpPr/>
           <p:nvPr/>
-        </p:nvPicPr>
-        <p:blipFill>
-          <a:blip r:embed="rId2">
-            <a:extLst>
-              <a:ext uri="{28A0092B-C50C-407E-A947-70E740481C1C}">
-                <a14:useLocalDpi xmlns:a14="http://schemas.microsoft.com/office/drawing/2010/main" val="0"/>
-              </a:ext>
-            </a:extLst>
-          </a:blip>
-          <a:stretch>
-            <a:fillRect/>
-          </a:stretch>
-        </p:blipFill>
-        <p:spPr>
-          <a:xfrm>
-            <a:off x="3124200" y="3657600"/>
-            <a:ext cx="5596127" cy="2743200"/>
+        </p:nvSpPr>
+        <p:spPr>
+          <a:xfrm>
+            <a:off x="10591800" y="5029200"/>
+            <a:ext cx="457200" cy="533400"/>
+          </a:xfrm>
+          <a:prstGeom prst="downArrow">
+            <a:avLst/>
+          </a:prstGeom>
+          <a:solidFill>
+            <a:srgbClr val="FF0000"/>
+          </a:solidFill>
+        </p:spPr>
+        <p:style>
+          <a:lnRef idx="2">
+            <a:schemeClr val="accent1">
+              <a:shade val="15000"/>
+            </a:schemeClr>
+          </a:lnRef>
+          <a:fillRef idx="1">
+            <a:schemeClr val="accent1"/>
+          </a:fillRef>
+          <a:effectRef idx="0">
+            <a:schemeClr val="accent1"/>
+          </a:effectRef>
+          <a:fontRef idx="minor">
+            <a:schemeClr val="lt1"/>
+          </a:fontRef>
+        </p:style>
+        <p:txBody>
+          <a:bodyPr rtlCol="0" anchor="ctr"/>
+          <a:lstStyle/>
+          <a:p>
+            <a:pPr algn="ctr"/>
+            <a:endParaRPr kumimoji="1" lang="ja-JP" altLang="en-US"/>
+          </a:p>
+        </p:txBody>
+      </p:sp>
+      <p:sp>
+        <p:nvSpPr>
+          <p:cNvPr id="5" name="テキスト ボックス 4">
+            <a:extLst>
+              <a:ext uri="{FF2B5EF4-FFF2-40B4-BE49-F238E27FC236}">
+                <a16:creationId xmlns:a16="http://schemas.microsoft.com/office/drawing/2014/main" id="{B9816B12-086E-88B6-1645-80F93C06FA89}"/>
+              </a:ext>
+            </a:extLst>
+          </p:cNvPr>
+          <p:cNvSpPr txBox="1"/>
+          <p:nvPr/>
+        </p:nvSpPr>
+        <p:spPr>
+          <a:xfrm>
+            <a:off x="6212952" y="3549501"/>
+            <a:ext cx="2084225" cy="369332"/>
           </a:xfrm>
           <a:prstGeom prst="rect">
             <a:avLst/>
           </a:prstGeom>
-          <a:ln>
-            <a:solidFill>
-              <a:schemeClr val="tx1"/>
-            </a:solidFill>
-          </a:ln>
-        </p:spPr>
-      </p:pic>
+          <a:noFill/>
+        </p:spPr>
+        <p:txBody>
+          <a:bodyPr wrap="none" rtlCol="0">
+            <a:spAutoFit/>
+          </a:bodyPr>
+          <a:lstStyle/>
+          <a:p>
+            <a:r>
+              <a:rPr kumimoji="1" lang="ja-JP" altLang="en-US" dirty="0">
+                <a:solidFill>
+                  <a:srgbClr val="FF0000"/>
+                </a:solidFill>
+              </a:rPr>
+              <a:t>リポジトリ名と同じ</a:t>
+            </a:r>
+          </a:p>
+        </p:txBody>
+      </p:sp>
     </p:spTree>
     <p:extLst>
       <p:ext uri="{BB962C8B-B14F-4D97-AF65-F5344CB8AC3E}">
-        <p14:creationId xmlns:p14="http://schemas.microsoft.com/office/powerpoint/2010/main" val="436152887"/>
+        <p14:creationId xmlns:p14="http://schemas.microsoft.com/office/powerpoint/2010/main" val="1166361037"/>
       </p:ext>
     </p:extLst>
   </p:cSld>
@@ -13773,8 +14023,8 @@
           <a:lstStyle/>
           <a:p>
             <a:r>
-              <a:rPr kumimoji="1" lang="ja-JP" altLang="en-US" sz="3600" b="1" u="sng" dirty="0"/>
-              <a:t>リポジトリの作成</a:t>
+              <a:rPr lang="ja-JP" altLang="en-US" sz="3600" b="1" u="sng" dirty="0"/>
+              <a:t>バックアップするファイルの準備</a:t>
             </a:r>
             <a:br>
               <a:rPr kumimoji="1" lang="en-US" altLang="ja-JP" sz="3600" b="1" u="sng" dirty="0"/>
@@ -13784,58 +14034,88 @@
             </a:br>
             <a:r>
               <a:rPr lang="ja-JP" altLang="en-US" sz="3600" dirty="0"/>
-              <a:t>「</a:t>
+              <a:t>エクスプローラで</a:t>
             </a:r>
             <a:r>
               <a:rPr lang="en-US" altLang="ja-JP" sz="3600" dirty="0"/>
-              <a:t>c - </a:t>
+              <a:t>C</a:t>
             </a:r>
             <a:r>
               <a:rPr lang="ja-JP" altLang="en-US" sz="3600" dirty="0"/>
-              <a:t>コピー」フォルダの中に戻り、すべてを選択して（</a:t>
+              <a:t>ドライブの</a:t>
             </a:r>
             <a:r>
               <a:rPr lang="en-US" altLang="ja-JP" sz="3600" dirty="0"/>
-              <a:t>[</a:t>
-            </a:r>
-            <a:r>
-              <a:rPr lang="en-US" altLang="ja-JP" sz="3600" dirty="0" err="1"/>
-              <a:t>Ctrl+A</a:t>
-            </a:r>
-            <a:r>
+              <a:t>GitHub</a:t>
+            </a:r>
+            <a:r>
+              <a:rPr lang="ja-JP" altLang="en-US" sz="3600" dirty="0"/>
+              <a:t>フォルダを</a:t>
+            </a:r>
+            <a:br>
               <a:rPr lang="en-US" altLang="ja-JP" sz="3600" dirty="0"/>
-              <a:t>]</a:t>
-            </a:r>
+            </a:br>
             <a:r>
               <a:rPr lang="ja-JP" altLang="en-US" sz="3600" dirty="0"/>
-              <a:t>）から、切り取り（</a:t>
-            </a:r>
-            <a:r>
-              <a:rPr lang="en-US" altLang="ja-JP" sz="3600" dirty="0"/>
-              <a:t>[</a:t>
-            </a:r>
-            <a:r>
-              <a:rPr lang="en-US" altLang="ja-JP" sz="3600" dirty="0" err="1"/>
-              <a:t>Ctrl+X</a:t>
-            </a:r>
-            <a:r>
-              <a:rPr lang="en-US" altLang="ja-JP" sz="3600" dirty="0"/>
-              <a:t>]</a:t>
-            </a:r>
-            <a:r>
-              <a:rPr lang="ja-JP" altLang="en-US" sz="3600" dirty="0"/>
-              <a:t>）を行う</a:t>
+              <a:t>開くと、リポジトリ名と同じフォルダがある</a:t>
             </a:r>
             <a:endParaRPr lang="en-US" altLang="ja-JP" sz="3600" dirty="0"/>
+          </a:p>
+        </p:txBody>
+      </p:sp>
+      <p:sp>
+        <p:nvSpPr>
+          <p:cNvPr id="6" name="テキスト ボックス 5">
+            <a:extLst>
+              <a:ext uri="{FF2B5EF4-FFF2-40B4-BE49-F238E27FC236}">
+                <a16:creationId xmlns:a16="http://schemas.microsoft.com/office/drawing/2014/main" id="{9354CB41-C6FF-3B66-9071-EF7B99E866BF}"/>
+              </a:ext>
+            </a:extLst>
+          </p:cNvPr>
+          <p:cNvSpPr txBox="1"/>
+          <p:nvPr/>
+        </p:nvSpPr>
+        <p:spPr>
+          <a:xfrm>
+            <a:off x="3124200" y="6262042"/>
+            <a:ext cx="5589992" cy="461665"/>
+          </a:xfrm>
+          <a:prstGeom prst="rect">
+            <a:avLst/>
+          </a:prstGeom>
+          <a:noFill/>
+        </p:spPr>
+        <p:txBody>
+          <a:bodyPr wrap="none" rtlCol="0">
+            <a:spAutoFit/>
+          </a:bodyPr>
+          <a:lstStyle/>
+          <a:p>
+            <a:r>
+              <a:rPr kumimoji="1" lang="en-US" altLang="ja-JP" sz="2400" dirty="0"/>
+              <a:t>※</a:t>
+            </a:r>
+            <a:r>
+              <a:rPr kumimoji="1" lang="ja-JP" altLang="en-US" sz="2400" dirty="0"/>
+              <a:t>この例ではリポジトリ名は「</a:t>
+            </a:r>
+            <a:r>
+              <a:rPr kumimoji="1" lang="en-US" altLang="ja-JP" sz="2400" dirty="0"/>
+              <a:t>clang24</a:t>
+            </a:r>
+            <a:r>
+              <a:rPr kumimoji="1" lang="ja-JP" altLang="en-US" sz="2400" dirty="0"/>
+              <a:t>」</a:t>
+            </a:r>
           </a:p>
         </p:txBody>
       </p:sp>
       <p:pic>
         <p:nvPicPr>
-          <p:cNvPr id="6" name="図 5">
-            <a:extLst>
-              <a:ext uri="{FF2B5EF4-FFF2-40B4-BE49-F238E27FC236}">
-                <a16:creationId xmlns:a16="http://schemas.microsoft.com/office/drawing/2014/main" id="{166043FD-A96B-AE1A-0BAC-2852D8E7C76B}"/>
+          <p:cNvPr id="7" name="図 6">
+            <a:extLst>
+              <a:ext uri="{FF2B5EF4-FFF2-40B4-BE49-F238E27FC236}">
+                <a16:creationId xmlns:a16="http://schemas.microsoft.com/office/drawing/2014/main" id="{B56AC40D-E134-E547-7B14-24E6C4AEE264}"/>
               </a:ext>
             </a:extLst>
           </p:cNvPr>
@@ -13852,8 +14132,8 @@
         </p:blipFill>
         <p:spPr>
           <a:xfrm>
-            <a:off x="3657600" y="3505200"/>
-            <a:ext cx="4648200" cy="3137827"/>
+            <a:off x="3124200" y="3531856"/>
+            <a:ext cx="5715000" cy="2730186"/>
           </a:xfrm>
           <a:prstGeom prst="rect">
             <a:avLst/>
@@ -13865,10 +14145,62 @@
           </a:ln>
         </p:spPr>
       </p:pic>
+      <p:sp>
+        <p:nvSpPr>
+          <p:cNvPr id="8" name="正方形/長方形 7">
+            <a:extLst>
+              <a:ext uri="{FF2B5EF4-FFF2-40B4-BE49-F238E27FC236}">
+                <a16:creationId xmlns:a16="http://schemas.microsoft.com/office/drawing/2014/main" id="{E7D725F2-EA3E-5262-832C-1C8E56497F64}"/>
+              </a:ext>
+            </a:extLst>
+          </p:cNvPr>
+          <p:cNvSpPr/>
+          <p:nvPr/>
+        </p:nvSpPr>
+        <p:spPr>
+          <a:xfrm>
+            <a:off x="3352800" y="4191000"/>
+            <a:ext cx="1447800" cy="461664"/>
+          </a:xfrm>
+          <a:prstGeom prst="rect">
+            <a:avLst/>
+          </a:prstGeom>
+          <a:noFill/>
+          <a:ln w="38100">
+            <a:solidFill>
+              <a:srgbClr val="FF0000"/>
+            </a:solidFill>
+          </a:ln>
+        </p:spPr>
+        <p:style>
+          <a:lnRef idx="2">
+            <a:schemeClr val="accent1">
+              <a:shade val="15000"/>
+            </a:schemeClr>
+          </a:lnRef>
+          <a:fillRef idx="1">
+            <a:schemeClr val="accent1"/>
+          </a:fillRef>
+          <a:effectRef idx="0">
+            <a:schemeClr val="accent1"/>
+          </a:effectRef>
+          <a:fontRef idx="minor">
+            <a:schemeClr val="lt1"/>
+          </a:fontRef>
+        </p:style>
+        <p:txBody>
+          <a:bodyPr rtlCol="0" anchor="ctr"/>
+          <a:lstStyle/>
+          <a:p>
+            <a:pPr algn="ctr"/>
+            <a:endParaRPr kumimoji="1" lang="ja-JP" altLang="en-US"/>
+          </a:p>
+        </p:txBody>
+      </p:sp>
     </p:spTree>
     <p:extLst>
       <p:ext uri="{BB962C8B-B14F-4D97-AF65-F5344CB8AC3E}">
-        <p14:creationId xmlns:p14="http://schemas.microsoft.com/office/powerpoint/2010/main" val="3993458875"/>
+        <p14:creationId xmlns:p14="http://schemas.microsoft.com/office/powerpoint/2010/main" val="2884993949"/>
       </p:ext>
     </p:extLst>
   </p:cSld>
@@ -13956,8 +14288,8 @@
           <a:lstStyle/>
           <a:p>
             <a:r>
-              <a:rPr kumimoji="1" lang="ja-JP" altLang="en-US" sz="3600" b="1" u="sng" dirty="0"/>
-              <a:t>リポジトリの作成</a:t>
+              <a:rPr lang="ja-JP" altLang="en-US" sz="3600" b="1" u="sng" dirty="0"/>
+              <a:t>バックアップするファイルの準備</a:t>
             </a:r>
             <a:br>
               <a:rPr kumimoji="1" lang="en-US" altLang="ja-JP" sz="3600" b="1" u="sng" dirty="0"/>
@@ -13967,30 +14299,7 @@
             </a:br>
             <a:r>
               <a:rPr lang="ja-JP" altLang="en-US" sz="3600" dirty="0"/>
-              <a:t>さきほどのリポジトリ名のフォルダの中で貼り付け</a:t>
-            </a:r>
-            <a:br>
-              <a:rPr lang="en-US" altLang="ja-JP" sz="3600" dirty="0"/>
-            </a:br>
-            <a:r>
-              <a:rPr lang="ja-JP" altLang="en-US" sz="3600" dirty="0"/>
-              <a:t>（</a:t>
-            </a:r>
-            <a:r>
-              <a:rPr lang="en-US" altLang="ja-JP" sz="3600" dirty="0"/>
-              <a:t>[</a:t>
-            </a:r>
-            <a:r>
-              <a:rPr lang="en-US" altLang="ja-JP" sz="3600" dirty="0" err="1"/>
-              <a:t>Ctrl+V</a:t>
-            </a:r>
-            <a:r>
-              <a:rPr lang="en-US" altLang="ja-JP" sz="3600" dirty="0"/>
-              <a:t>]</a:t>
-            </a:r>
-            <a:r>
-              <a:rPr lang="ja-JP" altLang="en-US" sz="3600" dirty="0"/>
-              <a:t>）を行う</a:t>
+              <a:t>リポジトリ名のフォルダの中に入るとこのようなファイルが作成されていることを確認</a:t>
             </a:r>
             <a:endParaRPr lang="en-US" altLang="ja-JP" sz="3600" dirty="0"/>
           </a:p>
@@ -13998,10 +14307,10 @@
       </p:sp>
       <p:pic>
         <p:nvPicPr>
-          <p:cNvPr id="6" name="図 5">
-            <a:extLst>
-              <a:ext uri="{FF2B5EF4-FFF2-40B4-BE49-F238E27FC236}">
-                <a16:creationId xmlns:a16="http://schemas.microsoft.com/office/drawing/2014/main" id="{BF3655E2-5B63-752C-D5EC-17FD6D082DA9}"/>
+          <p:cNvPr id="5" name="図 4">
+            <a:extLst>
+              <a:ext uri="{FF2B5EF4-FFF2-40B4-BE49-F238E27FC236}">
+                <a16:creationId xmlns:a16="http://schemas.microsoft.com/office/drawing/2014/main" id="{5CCE03D6-6391-8219-70A7-97FDA97E4AE5}"/>
               </a:ext>
             </a:extLst>
           </p:cNvPr>
@@ -14011,15 +14320,21 @@
           <p:nvPr/>
         </p:nvPicPr>
         <p:blipFill>
-          <a:blip r:embed="rId2"/>
+          <a:blip r:embed="rId2">
+            <a:extLst>
+              <a:ext uri="{28A0092B-C50C-407E-A947-70E740481C1C}">
+                <a14:useLocalDpi xmlns:a14="http://schemas.microsoft.com/office/drawing/2010/main" val="0"/>
+              </a:ext>
+            </a:extLst>
+          </a:blip>
           <a:stretch>
             <a:fillRect/>
           </a:stretch>
         </p:blipFill>
         <p:spPr>
           <a:xfrm>
-            <a:off x="3124200" y="3581400"/>
-            <a:ext cx="5593360" cy="3200400"/>
+            <a:off x="3124200" y="3657600"/>
+            <a:ext cx="5596127" cy="2743200"/>
           </a:xfrm>
           <a:prstGeom prst="rect">
             <a:avLst/>
@@ -14031,101 +14346,10 @@
           </a:ln>
         </p:spPr>
       </p:pic>
-      <p:sp>
-        <p:nvSpPr>
-          <p:cNvPr id="7" name="正方形/長方形 6">
-            <a:extLst>
-              <a:ext uri="{FF2B5EF4-FFF2-40B4-BE49-F238E27FC236}">
-                <a16:creationId xmlns:a16="http://schemas.microsoft.com/office/drawing/2014/main" id="{1701CA9E-C501-E39B-6AC4-1F252571EFA0}"/>
-              </a:ext>
-            </a:extLst>
-          </p:cNvPr>
-          <p:cNvSpPr/>
-          <p:nvPr/>
-        </p:nvSpPr>
-        <p:spPr>
-          <a:xfrm>
-            <a:off x="3140148" y="4719936"/>
-            <a:ext cx="5593359" cy="2061864"/>
-          </a:xfrm>
-          <a:prstGeom prst="rect">
-            <a:avLst/>
-          </a:prstGeom>
-          <a:noFill/>
-          <a:ln w="38100">
-            <a:solidFill>
-              <a:srgbClr val="FF0000"/>
-            </a:solidFill>
-          </a:ln>
-        </p:spPr>
-        <p:style>
-          <a:lnRef idx="2">
-            <a:schemeClr val="accent1">
-              <a:shade val="15000"/>
-            </a:schemeClr>
-          </a:lnRef>
-          <a:fillRef idx="1">
-            <a:schemeClr val="accent1"/>
-          </a:fillRef>
-          <a:effectRef idx="0">
-            <a:schemeClr val="accent1"/>
-          </a:effectRef>
-          <a:fontRef idx="minor">
-            <a:schemeClr val="lt1"/>
-          </a:fontRef>
-        </p:style>
-        <p:txBody>
-          <a:bodyPr rtlCol="0" anchor="ctr"/>
-          <a:lstStyle/>
-          <a:p>
-            <a:pPr algn="ctr"/>
-            <a:endParaRPr kumimoji="1" lang="ja-JP" altLang="en-US"/>
-          </a:p>
-        </p:txBody>
-      </p:sp>
-      <p:sp>
-        <p:nvSpPr>
-          <p:cNvPr id="8" name="テキスト ボックス 7">
-            <a:extLst>
-              <a:ext uri="{FF2B5EF4-FFF2-40B4-BE49-F238E27FC236}">
-                <a16:creationId xmlns:a16="http://schemas.microsoft.com/office/drawing/2014/main" id="{4CC6FBCC-6396-842B-6F6D-6F6BFEAE76A2}"/>
-              </a:ext>
-            </a:extLst>
-          </p:cNvPr>
-          <p:cNvSpPr txBox="1"/>
-          <p:nvPr/>
-        </p:nvSpPr>
-        <p:spPr>
-          <a:xfrm>
-            <a:off x="8761860" y="5566202"/>
-            <a:ext cx="2855269" cy="369332"/>
-          </a:xfrm>
-          <a:prstGeom prst="rect">
-            <a:avLst/>
-          </a:prstGeom>
-          <a:noFill/>
-        </p:spPr>
-        <p:txBody>
-          <a:bodyPr wrap="none" rtlCol="0">
-            <a:spAutoFit/>
-          </a:bodyPr>
-          <a:lstStyle/>
-          <a:p>
-            <a:r>
-              <a:rPr kumimoji="1" lang="ja-JP" altLang="en-US" dirty="0">
-                <a:solidFill>
-                  <a:srgbClr val="FF0000"/>
-                </a:solidFill>
-              </a:rPr>
-              <a:t>貼り付けて増えたフォルダ</a:t>
-            </a:r>
-          </a:p>
-        </p:txBody>
-      </p:sp>
     </p:spTree>
     <p:extLst>
       <p:ext uri="{BB962C8B-B14F-4D97-AF65-F5344CB8AC3E}">
-        <p14:creationId xmlns:p14="http://schemas.microsoft.com/office/powerpoint/2010/main" val="1839238791"/>
+        <p14:creationId xmlns:p14="http://schemas.microsoft.com/office/powerpoint/2010/main" val="436152887"/>
       </p:ext>
     </p:extLst>
   </p:cSld>
@@ -14213,8 +14437,8 @@
           <a:lstStyle/>
           <a:p>
             <a:r>
-              <a:rPr kumimoji="1" lang="ja-JP" altLang="en-US" sz="3600" b="1" u="sng" dirty="0"/>
-              <a:t>リポジトリの作成</a:t>
+              <a:rPr lang="ja-JP" altLang="en-US" sz="3600" b="1" u="sng" dirty="0"/>
+              <a:t>バックアップするファイルの準備</a:t>
             </a:r>
             <a:br>
               <a:rPr kumimoji="1" lang="en-US" altLang="ja-JP" sz="3600" b="1" u="sng" dirty="0"/>
@@ -14223,26 +14447,59 @@
               <a:rPr lang="en-US" altLang="ja-JP" sz="3600" dirty="0"/>
             </a:br>
             <a:r>
+              <a:rPr lang="en-US" altLang="ja-JP" sz="3600" dirty="0"/>
+              <a:t>C</a:t>
+            </a:r>
+            <a:r>
+              <a:rPr lang="ja-JP" altLang="en-US" sz="3600" dirty="0"/>
+              <a:t>ドライブの「</a:t>
+            </a:r>
+            <a:r>
+              <a:rPr lang="en-US" altLang="ja-JP" sz="3600" dirty="0"/>
+              <a:t>c</a:t>
+            </a:r>
+            <a:r>
+              <a:rPr lang="ja-JP" altLang="en-US" sz="3600" dirty="0"/>
+              <a:t>」フォルダの中に戻り、すべてを選択</a:t>
+            </a:r>
+            <a:br>
+              <a:rPr lang="en-US" altLang="ja-JP" sz="3600" dirty="0"/>
+            </a:br>
+            <a:r>
+              <a:rPr lang="ja-JP" altLang="en-US" sz="3600" dirty="0"/>
+              <a:t>（</a:t>
+            </a:r>
+            <a:r>
+              <a:rPr lang="en-US" altLang="ja-JP" sz="3600" dirty="0"/>
+              <a:t>[</a:t>
+            </a:r>
+            <a:r>
               <a:rPr lang="en-US" altLang="ja-JP" sz="3600" dirty="0" err="1"/>
-              <a:t>GitHubDesktop</a:t>
+              <a:t>Ctrl+A</a:t>
+            </a:r>
+            <a:r>
+              <a:rPr lang="en-US" altLang="ja-JP" sz="3600" dirty="0"/>
+              <a:t>]</a:t>
             </a:r>
             <a:r>
               <a:rPr lang="ja-JP" altLang="en-US" sz="3600" dirty="0"/>
-              <a:t>の左ペインに</a:t>
-            </a:r>
-            <a:br>
+              <a:t>）してから、コピー（</a:t>
+            </a:r>
+            <a:r>
               <a:rPr lang="en-US" altLang="ja-JP" sz="3600" dirty="0"/>
-            </a:br>
+              <a:t>[</a:t>
+            </a:r>
+            <a:r>
+              <a:rPr lang="en-US" altLang="ja-JP" sz="3600" dirty="0" err="1"/>
+              <a:t>Ctrl+C</a:t>
+            </a:r>
+            <a:r>
+              <a:rPr lang="en-US" altLang="ja-JP" sz="3600" dirty="0"/>
+              <a:t>]</a:t>
+            </a:r>
             <a:r>
               <a:rPr lang="ja-JP" altLang="en-US" sz="3600" dirty="0"/>
-              <a:t>更新されたファイル一覧が表示</a:t>
-            </a:r>
-            <a:br>
-              <a:rPr lang="en-US" altLang="ja-JP" sz="3600" dirty="0"/>
-            </a:br>
-            <a:r>
-              <a:rPr lang="ja-JP" altLang="en-US" sz="3600" dirty="0"/>
-              <a:t>される</a:t>
+              <a:t>）を行う</a:t>
             </a:r>
             <a:endParaRPr lang="en-US" altLang="ja-JP" sz="3600" dirty="0"/>
           </a:p>
@@ -14250,10 +14507,10 @@
       </p:sp>
       <p:pic>
         <p:nvPicPr>
-          <p:cNvPr id="5" name="図 4">
-            <a:extLst>
-              <a:ext uri="{FF2B5EF4-FFF2-40B4-BE49-F238E27FC236}">
-                <a16:creationId xmlns:a16="http://schemas.microsoft.com/office/drawing/2014/main" id="{8BFA1CB5-3B6B-A5DB-193D-9D2A054E67FA}"/>
+          <p:cNvPr id="4" name="図 3">
+            <a:extLst>
+              <a:ext uri="{FF2B5EF4-FFF2-40B4-BE49-F238E27FC236}">
+                <a16:creationId xmlns:a16="http://schemas.microsoft.com/office/drawing/2014/main" id="{94B2EB00-3889-4564-87C7-744D3C52DDE0}"/>
               </a:ext>
             </a:extLst>
           </p:cNvPr>
@@ -14270,70 +14527,23 @@
         </p:blipFill>
         <p:spPr>
           <a:xfrm>
-            <a:off x="8229600" y="-24809"/>
-            <a:ext cx="3696630" cy="6858000"/>
+            <a:off x="2286000" y="3581400"/>
+            <a:ext cx="7219390" cy="3080129"/>
           </a:xfrm>
           <a:prstGeom prst="rect">
             <a:avLst/>
           </a:prstGeom>
-        </p:spPr>
-      </p:pic>
-      <p:sp>
-        <p:nvSpPr>
-          <p:cNvPr id="7" name="正方形/長方形 6">
-            <a:extLst>
-              <a:ext uri="{FF2B5EF4-FFF2-40B4-BE49-F238E27FC236}">
-                <a16:creationId xmlns:a16="http://schemas.microsoft.com/office/drawing/2014/main" id="{E38A7A80-E8B4-5AF1-5F77-6327529C6375}"/>
-              </a:ext>
-            </a:extLst>
-          </p:cNvPr>
-          <p:cNvSpPr/>
-          <p:nvPr/>
-        </p:nvSpPr>
-        <p:spPr>
-          <a:xfrm>
-            <a:off x="8229600" y="1371900"/>
-            <a:ext cx="2590800" cy="3428700"/>
-          </a:xfrm>
-          <a:prstGeom prst="rect">
-            <a:avLst/>
-          </a:prstGeom>
-          <a:noFill/>
-          <a:ln w="38100">
+          <a:ln>
             <a:solidFill>
-              <a:srgbClr val="FF0000"/>
+              <a:schemeClr val="tx1"/>
             </a:solidFill>
           </a:ln>
         </p:spPr>
-        <p:style>
-          <a:lnRef idx="2">
-            <a:schemeClr val="accent1">
-              <a:shade val="15000"/>
-            </a:schemeClr>
-          </a:lnRef>
-          <a:fillRef idx="1">
-            <a:schemeClr val="accent1"/>
-          </a:fillRef>
-          <a:effectRef idx="0">
-            <a:schemeClr val="accent1"/>
-          </a:effectRef>
-          <a:fontRef idx="minor">
-            <a:schemeClr val="lt1"/>
-          </a:fontRef>
-        </p:style>
-        <p:txBody>
-          <a:bodyPr rtlCol="0" anchor="ctr"/>
-          <a:lstStyle/>
-          <a:p>
-            <a:pPr algn="ctr"/>
-            <a:endParaRPr kumimoji="1" lang="ja-JP" altLang="en-US"/>
-          </a:p>
-        </p:txBody>
-      </p:sp>
+      </p:pic>
     </p:spTree>
     <p:extLst>
       <p:ext uri="{BB962C8B-B14F-4D97-AF65-F5344CB8AC3E}">
-        <p14:creationId xmlns:p14="http://schemas.microsoft.com/office/powerpoint/2010/main" val="3732125390"/>
+        <p14:creationId xmlns:p14="http://schemas.microsoft.com/office/powerpoint/2010/main" val="3993458875"/>
       </p:ext>
     </p:extLst>
   </p:cSld>
@@ -14360,156 +14570,12 @@
           <a:chExt cx="0" cy="0"/>
         </a:xfrm>
       </p:grpSpPr>
-      <p:sp>
-        <p:nvSpPr>
-          <p:cNvPr id="2" name="タイトル 1">
-            <a:extLst>
-              <a:ext uri="{FF2B5EF4-FFF2-40B4-BE49-F238E27FC236}">
-                <a16:creationId xmlns:a16="http://schemas.microsoft.com/office/drawing/2014/main" id="{DFEC204E-47F7-1206-5749-50C50E91D9F5}"/>
-              </a:ext>
-            </a:extLst>
-          </p:cNvPr>
-          <p:cNvSpPr>
-            <a:spLocks noGrp="1"/>
-          </p:cNvSpPr>
-          <p:nvPr>
-            <p:ph type="title"/>
-          </p:nvPr>
-        </p:nvSpPr>
-        <p:spPr/>
-        <p:txBody>
-          <a:bodyPr/>
-          <a:lstStyle/>
-          <a:p>
-            <a:r>
-              <a:rPr kumimoji="1" lang="en-US" altLang="ja-JP" dirty="0"/>
-              <a:t>GitHub</a:t>
-            </a:r>
-            <a:r>
-              <a:rPr kumimoji="1" lang="ja-JP" altLang="en-US" dirty="0"/>
-              <a:t>の使い方</a:t>
-            </a:r>
-          </a:p>
-        </p:txBody>
-      </p:sp>
-      <p:sp>
-        <p:nvSpPr>
-          <p:cNvPr id="3" name="コンテンツ プレースホルダー 2">
-            <a:extLst>
-              <a:ext uri="{FF2B5EF4-FFF2-40B4-BE49-F238E27FC236}">
-                <a16:creationId xmlns:a16="http://schemas.microsoft.com/office/drawing/2014/main" id="{01065346-7061-05F6-5FE9-60987CC15B4D}"/>
-              </a:ext>
-            </a:extLst>
-          </p:cNvPr>
-          <p:cNvSpPr>
-            <a:spLocks noGrp="1"/>
-          </p:cNvSpPr>
-          <p:nvPr>
-            <p:ph idx="1"/>
-          </p:nvPr>
-        </p:nvSpPr>
-        <p:spPr>
-          <a:xfrm>
-            <a:off x="838200" y="1391393"/>
-            <a:ext cx="10896600" cy="4881563"/>
-          </a:xfrm>
-        </p:spPr>
-        <p:txBody>
-          <a:bodyPr>
-            <a:normAutofit/>
-          </a:bodyPr>
-          <a:lstStyle/>
-          <a:p>
-            <a:r>
-              <a:rPr kumimoji="1" lang="ja-JP" altLang="en-US" sz="3600" b="1" u="sng" dirty="0"/>
-              <a:t>リポジトリの作成</a:t>
-            </a:r>
-            <a:br>
-              <a:rPr kumimoji="1" lang="en-US" altLang="ja-JP" sz="3600" b="1" u="sng" dirty="0"/>
-            </a:br>
-            <a:br>
-              <a:rPr lang="en-US" altLang="ja-JP" sz="3600" dirty="0"/>
-            </a:br>
-            <a:r>
-              <a:rPr lang="en-US" altLang="ja-JP" sz="3600" dirty="0"/>
-              <a:t>Summary</a:t>
-            </a:r>
-            <a:r>
-              <a:rPr lang="ja-JP" altLang="en-US" sz="3600" dirty="0"/>
-              <a:t>部分にコメントを入力</a:t>
-            </a:r>
-            <a:br>
-              <a:rPr lang="en-US" altLang="ja-JP" sz="3600" dirty="0"/>
-            </a:br>
-            <a:r>
-              <a:rPr lang="ja-JP" altLang="en-US" sz="3600" dirty="0"/>
-              <a:t>する</a:t>
-            </a:r>
-            <a:br>
-              <a:rPr lang="en-US" altLang="ja-JP" sz="3600" dirty="0"/>
-            </a:br>
-            <a:r>
-              <a:rPr lang="ja-JP" altLang="en-US" sz="3600" dirty="0"/>
-              <a:t>何を入力していいかわからない時</a:t>
-            </a:r>
-            <a:br>
-              <a:rPr lang="en-US" altLang="ja-JP" sz="3600" dirty="0"/>
-            </a:br>
-            <a:r>
-              <a:rPr lang="ja-JP" altLang="en-US" sz="3600" dirty="0"/>
-              <a:t>は日付（例：</a:t>
-            </a:r>
-            <a:r>
-              <a:rPr lang="en-US" altLang="ja-JP" sz="3600" dirty="0"/>
-              <a:t>20240702</a:t>
-            </a:r>
-            <a:r>
-              <a:rPr lang="ja-JP" altLang="en-US" sz="3600" dirty="0"/>
-              <a:t>や</a:t>
-            </a:r>
-            <a:r>
-              <a:rPr lang="en-US" altLang="ja-JP" sz="3600" dirty="0"/>
-              <a:t>0702</a:t>
-            </a:r>
-            <a:r>
-              <a:rPr lang="ja-JP" altLang="en-US" sz="3600" dirty="0"/>
-              <a:t>）を</a:t>
-            </a:r>
-            <a:br>
-              <a:rPr lang="en-US" altLang="ja-JP" sz="3600" dirty="0"/>
-            </a:br>
-            <a:r>
-              <a:rPr lang="ja-JP" altLang="en-US" sz="3600" dirty="0"/>
-              <a:t>入力する</a:t>
-            </a:r>
-            <a:br>
-              <a:rPr lang="en-US" altLang="ja-JP" sz="3600" dirty="0"/>
-            </a:br>
-            <a:br>
-              <a:rPr lang="en-US" altLang="ja-JP" sz="3600" dirty="0"/>
-            </a:br>
-            <a:r>
-              <a:rPr lang="en-US" altLang="ja-JP" sz="3600" dirty="0">
-                <a:solidFill>
-                  <a:srgbClr val="00B0F0"/>
-                </a:solidFill>
-              </a:rPr>
-              <a:t>[Commit to main]</a:t>
-            </a:r>
-            <a:r>
-              <a:rPr lang="ja-JP" altLang="en-US" sz="3600" dirty="0"/>
-              <a:t>をクリック</a:t>
-            </a:r>
-            <a:endParaRPr lang="en-US" altLang="ja-JP" sz="3600" dirty="0"/>
-          </a:p>
-        </p:txBody>
-      </p:sp>
       <p:pic>
         <p:nvPicPr>
-          <p:cNvPr id="7" name="図 6">
-            <a:extLst>
-              <a:ext uri="{FF2B5EF4-FFF2-40B4-BE49-F238E27FC236}">
-                <a16:creationId xmlns:a16="http://schemas.microsoft.com/office/drawing/2014/main" id="{C3ED8C08-D0BB-AE13-3ED5-E4B19DF6800D}"/>
+          <p:cNvPr id="4" name="図 3">
+            <a:extLst>
+              <a:ext uri="{FF2B5EF4-FFF2-40B4-BE49-F238E27FC236}">
+                <a16:creationId xmlns:a16="http://schemas.microsoft.com/office/drawing/2014/main" id="{19AC8DB3-E7BB-4BFA-B0E6-5F66847B5FA2}"/>
               </a:ext>
             </a:extLst>
           </p:cNvPr>
@@ -14526,8 +14592,8 @@
         </p:blipFill>
         <p:spPr>
           <a:xfrm>
-            <a:off x="8001000" y="1900981"/>
-            <a:ext cx="4114800" cy="4371975"/>
+            <a:off x="1730829" y="3581400"/>
+            <a:ext cx="7031031" cy="3062597"/>
           </a:xfrm>
           <a:prstGeom prst="rect">
             <a:avLst/>
@@ -14541,10 +14607,111 @@
       </p:pic>
       <p:sp>
         <p:nvSpPr>
-          <p:cNvPr id="4" name="正方形/長方形 3">
-            <a:extLst>
-              <a:ext uri="{FF2B5EF4-FFF2-40B4-BE49-F238E27FC236}">
-                <a16:creationId xmlns:a16="http://schemas.microsoft.com/office/drawing/2014/main" id="{0CD6E61E-6FFB-1981-B097-0915A780C9F7}"/>
+          <p:cNvPr id="2" name="タイトル 1">
+            <a:extLst>
+              <a:ext uri="{FF2B5EF4-FFF2-40B4-BE49-F238E27FC236}">
+                <a16:creationId xmlns:a16="http://schemas.microsoft.com/office/drawing/2014/main" id="{DFEC204E-47F7-1206-5749-50C50E91D9F5}"/>
+              </a:ext>
+            </a:extLst>
+          </p:cNvPr>
+          <p:cNvSpPr>
+            <a:spLocks noGrp="1"/>
+          </p:cNvSpPr>
+          <p:nvPr>
+            <p:ph type="title"/>
+          </p:nvPr>
+        </p:nvSpPr>
+        <p:spPr/>
+        <p:txBody>
+          <a:bodyPr/>
+          <a:lstStyle/>
+          <a:p>
+            <a:r>
+              <a:rPr kumimoji="1" lang="en-US" altLang="ja-JP" dirty="0"/>
+              <a:t>GitHub</a:t>
+            </a:r>
+            <a:r>
+              <a:rPr kumimoji="1" lang="ja-JP" altLang="en-US" dirty="0"/>
+              <a:t>の使い方</a:t>
+            </a:r>
+          </a:p>
+        </p:txBody>
+      </p:sp>
+      <p:sp>
+        <p:nvSpPr>
+          <p:cNvPr id="3" name="コンテンツ プレースホルダー 2">
+            <a:extLst>
+              <a:ext uri="{FF2B5EF4-FFF2-40B4-BE49-F238E27FC236}">
+                <a16:creationId xmlns:a16="http://schemas.microsoft.com/office/drawing/2014/main" id="{01065346-7061-05F6-5FE9-60987CC15B4D}"/>
+              </a:ext>
+            </a:extLst>
+          </p:cNvPr>
+          <p:cNvSpPr>
+            <a:spLocks noGrp="1"/>
+          </p:cNvSpPr>
+          <p:nvPr>
+            <p:ph idx="1"/>
+          </p:nvPr>
+        </p:nvSpPr>
+        <p:spPr>
+          <a:xfrm>
+            <a:off x="838200" y="1391393"/>
+            <a:ext cx="10896600" cy="4881563"/>
+          </a:xfrm>
+        </p:spPr>
+        <p:txBody>
+          <a:bodyPr>
+            <a:normAutofit/>
+          </a:bodyPr>
+          <a:lstStyle/>
+          <a:p>
+            <a:r>
+              <a:rPr lang="ja-JP" altLang="en-US" sz="3600" b="1" u="sng" dirty="0"/>
+              <a:t>バックアップするファイルの準備</a:t>
+            </a:r>
+            <a:br>
+              <a:rPr kumimoji="1" lang="en-US" altLang="ja-JP" sz="3600" b="1" u="sng" dirty="0"/>
+            </a:br>
+            <a:br>
+              <a:rPr lang="en-US" altLang="ja-JP" sz="3600" dirty="0"/>
+            </a:br>
+            <a:r>
+              <a:rPr lang="ja-JP" altLang="en-US" sz="3600" dirty="0"/>
+              <a:t>さきほどのリポジトリ名のフォルダの中で貼り付け</a:t>
+            </a:r>
+            <a:br>
+              <a:rPr lang="en-US" altLang="ja-JP" sz="3600" dirty="0"/>
+            </a:br>
+            <a:r>
+              <a:rPr lang="ja-JP" altLang="en-US" sz="3600" dirty="0"/>
+              <a:t>（</a:t>
+            </a:r>
+            <a:r>
+              <a:rPr lang="en-US" altLang="ja-JP" sz="3600" dirty="0"/>
+              <a:t>[</a:t>
+            </a:r>
+            <a:r>
+              <a:rPr lang="en-US" altLang="ja-JP" sz="3600" dirty="0" err="1"/>
+              <a:t>Ctrl+V</a:t>
+            </a:r>
+            <a:r>
+              <a:rPr lang="en-US" altLang="ja-JP" sz="3600" dirty="0"/>
+              <a:t>]</a:t>
+            </a:r>
+            <a:r>
+              <a:rPr lang="ja-JP" altLang="en-US" sz="3600" dirty="0"/>
+              <a:t>）を行う</a:t>
+            </a:r>
+            <a:endParaRPr lang="en-US" altLang="ja-JP" sz="3600" dirty="0"/>
+          </a:p>
+        </p:txBody>
+      </p:sp>
+      <p:sp>
+        <p:nvSpPr>
+          <p:cNvPr id="7" name="正方形/長方形 6">
+            <a:extLst>
+              <a:ext uri="{FF2B5EF4-FFF2-40B4-BE49-F238E27FC236}">
+                <a16:creationId xmlns:a16="http://schemas.microsoft.com/office/drawing/2014/main" id="{1701CA9E-C501-E39B-6AC4-1F252571EFA0}"/>
               </a:ext>
             </a:extLst>
           </p:cNvPr>
@@ -14553,8 +14720,8 @@
         </p:nvSpPr>
         <p:spPr>
           <a:xfrm>
-            <a:off x="8628343" y="3238500"/>
-            <a:ext cx="3335057" cy="381000"/>
+            <a:off x="1741715" y="5105399"/>
+            <a:ext cx="7031031" cy="1538597"/>
           </a:xfrm>
           <a:prstGeom prst="rect">
             <a:avLst/>
@@ -14593,57 +14760,47 @@
       </p:sp>
       <p:sp>
         <p:nvSpPr>
-          <p:cNvPr id="8" name="矢印: 下 7">
-            <a:extLst>
-              <a:ext uri="{FF2B5EF4-FFF2-40B4-BE49-F238E27FC236}">
-                <a16:creationId xmlns:a16="http://schemas.microsoft.com/office/drawing/2014/main" id="{2E09F599-70C7-3C3B-4E66-1CA9615DC6AE}"/>
-              </a:ext>
-            </a:extLst>
-          </p:cNvPr>
-          <p:cNvSpPr/>
+          <p:cNvPr id="8" name="テキスト ボックス 7">
+            <a:extLst>
+              <a:ext uri="{FF2B5EF4-FFF2-40B4-BE49-F238E27FC236}">
+                <a16:creationId xmlns:a16="http://schemas.microsoft.com/office/drawing/2014/main" id="{4CC6FBCC-6396-842B-6F6D-6F6BFEAE76A2}"/>
+              </a:ext>
+            </a:extLst>
+          </p:cNvPr>
+          <p:cNvSpPr txBox="1"/>
           <p:nvPr/>
         </p:nvSpPr>
         <p:spPr>
           <a:xfrm>
-            <a:off x="9829800" y="5257800"/>
-            <a:ext cx="457200" cy="533400"/>
-          </a:xfrm>
-          <a:prstGeom prst="downArrow">
+            <a:off x="8761860" y="5566202"/>
+            <a:ext cx="2855269" cy="369332"/>
+          </a:xfrm>
+          <a:prstGeom prst="rect">
             <a:avLst/>
           </a:prstGeom>
-          <a:solidFill>
-            <a:srgbClr val="FF0000"/>
-          </a:solidFill>
-        </p:spPr>
-        <p:style>
-          <a:lnRef idx="2">
-            <a:schemeClr val="accent1">
-              <a:shade val="15000"/>
-            </a:schemeClr>
-          </a:lnRef>
-          <a:fillRef idx="1">
-            <a:schemeClr val="accent1"/>
-          </a:fillRef>
-          <a:effectRef idx="0">
-            <a:schemeClr val="accent1"/>
-          </a:effectRef>
-          <a:fontRef idx="minor">
-            <a:schemeClr val="lt1"/>
-          </a:fontRef>
-        </p:style>
-        <p:txBody>
-          <a:bodyPr rtlCol="0" anchor="ctr"/>
-          <a:lstStyle/>
-          <a:p>
-            <a:pPr algn="ctr"/>
-            <a:endParaRPr kumimoji="1" lang="ja-JP" altLang="en-US"/>
+          <a:noFill/>
+        </p:spPr>
+        <p:txBody>
+          <a:bodyPr wrap="none" rtlCol="0">
+            <a:spAutoFit/>
+          </a:bodyPr>
+          <a:lstStyle/>
+          <a:p>
+            <a:r>
+              <a:rPr kumimoji="1" lang="ja-JP" altLang="en-US" dirty="0">
+                <a:solidFill>
+                  <a:srgbClr val="FF0000"/>
+                </a:solidFill>
+              </a:rPr>
+              <a:t>貼り付けて増えたファイル</a:t>
+            </a:r>
           </a:p>
         </p:txBody>
       </p:sp>
     </p:spTree>
     <p:extLst>
       <p:ext uri="{BB962C8B-B14F-4D97-AF65-F5344CB8AC3E}">
-        <p14:creationId xmlns:p14="http://schemas.microsoft.com/office/powerpoint/2010/main" val="3309704752"/>
+        <p14:creationId xmlns:p14="http://schemas.microsoft.com/office/powerpoint/2010/main" val="1839238791"/>
       </p:ext>
     </p:extLst>
   </p:cSld>
@@ -14731,8 +14888,8 @@
           <a:lstStyle/>
           <a:p>
             <a:r>
-              <a:rPr kumimoji="1" lang="ja-JP" altLang="en-US" sz="3600" b="1" u="sng" dirty="0"/>
-              <a:t>リポジトリの作成</a:t>
+              <a:rPr lang="ja-JP" altLang="en-US" sz="3600" b="1" u="sng" dirty="0"/>
+              <a:t>バックアップするファイルの準備</a:t>
             </a:r>
             <a:br>
               <a:rPr kumimoji="1" lang="en-US" altLang="ja-JP" sz="3600" b="1" u="sng" dirty="0"/>
@@ -14741,27 +14898,26 @@
               <a:rPr lang="en-US" altLang="ja-JP" sz="3600" dirty="0"/>
             </a:br>
             <a:r>
+              <a:rPr lang="en-US" altLang="ja-JP" sz="3600" dirty="0" err="1"/>
+              <a:t>GitHubDesktop</a:t>
+            </a:r>
+            <a:r>
               <a:rPr lang="ja-JP" altLang="en-US" sz="3600" dirty="0"/>
-              <a:t>右ペインに</a:t>
-            </a:r>
-            <a:r>
-              <a:rPr lang="en-US" altLang="ja-JP" sz="3600" dirty="0">
-                <a:solidFill>
-                  <a:srgbClr val="00B0F0"/>
-                </a:solidFill>
-              </a:rPr>
-              <a:t>[Publish repository]</a:t>
-            </a:r>
+              <a:t>に戻ると</a:t>
+            </a:r>
+            <a:br>
+              <a:rPr lang="en-US" altLang="ja-JP" sz="3600" dirty="0"/>
+            </a:br>
             <a:r>
               <a:rPr lang="ja-JP" altLang="en-US" sz="3600" dirty="0"/>
-              <a:t>ボタンが</a:t>
+              <a:t>左ペインに更新されたファイル</a:t>
             </a:r>
             <a:br>
               <a:rPr lang="en-US" altLang="ja-JP" sz="3600" dirty="0"/>
             </a:br>
             <a:r>
               <a:rPr lang="ja-JP" altLang="en-US" sz="3600" dirty="0"/>
-              <a:t>表示されているので、このボタンをクリック</a:t>
+              <a:t>一覧が表示される</a:t>
             </a:r>
             <a:endParaRPr lang="en-US" altLang="ja-JP" sz="3600" dirty="0"/>
           </a:p>
@@ -14769,10 +14925,10 @@
       </p:sp>
       <p:pic>
         <p:nvPicPr>
-          <p:cNvPr id="10" name="図 9">
-            <a:extLst>
-              <a:ext uri="{FF2B5EF4-FFF2-40B4-BE49-F238E27FC236}">
-                <a16:creationId xmlns:a16="http://schemas.microsoft.com/office/drawing/2014/main" id="{A3A0004F-3E1A-D125-D5A8-2C8874FC10F2}"/>
+          <p:cNvPr id="5" name="図 4">
+            <a:extLst>
+              <a:ext uri="{FF2B5EF4-FFF2-40B4-BE49-F238E27FC236}">
+                <a16:creationId xmlns:a16="http://schemas.microsoft.com/office/drawing/2014/main" id="{8BFA1CB5-3B6B-A5DB-193D-9D2A054E67FA}"/>
               </a:ext>
             </a:extLst>
           </p:cNvPr>
@@ -14789,8 +14945,8 @@
         </p:blipFill>
         <p:spPr>
           <a:xfrm>
-            <a:off x="1591442" y="3892402"/>
-            <a:ext cx="9009116" cy="1847107"/>
+            <a:off x="8229600" y="-24809"/>
+            <a:ext cx="3696630" cy="6858000"/>
           </a:xfrm>
           <a:prstGeom prst="rect">
             <a:avLst/>
@@ -14799,10 +14955,10 @@
       </p:pic>
       <p:sp>
         <p:nvSpPr>
-          <p:cNvPr id="8" name="矢印: 下 7">
-            <a:extLst>
-              <a:ext uri="{FF2B5EF4-FFF2-40B4-BE49-F238E27FC236}">
-                <a16:creationId xmlns:a16="http://schemas.microsoft.com/office/drawing/2014/main" id="{2E09F599-70C7-3C3B-4E66-1CA9615DC6AE}"/>
+          <p:cNvPr id="7" name="正方形/長方形 6">
+            <a:extLst>
+              <a:ext uri="{FF2B5EF4-FFF2-40B4-BE49-F238E27FC236}">
+                <a16:creationId xmlns:a16="http://schemas.microsoft.com/office/drawing/2014/main" id="{E38A7A80-E8B4-5AF1-5F77-6327529C6375}"/>
               </a:ext>
             </a:extLst>
           </p:cNvPr>
@@ -14811,15 +14967,18 @@
         </p:nvSpPr>
         <p:spPr>
           <a:xfrm>
-            <a:off x="9067800" y="4065181"/>
-            <a:ext cx="457200" cy="533400"/>
-          </a:xfrm>
-          <a:prstGeom prst="downArrow">
+            <a:off x="8229600" y="1371900"/>
+            <a:ext cx="2590800" cy="3428700"/>
+          </a:xfrm>
+          <a:prstGeom prst="rect">
             <a:avLst/>
           </a:prstGeom>
-          <a:solidFill>
-            <a:srgbClr val="FF0000"/>
-          </a:solidFill>
+          <a:noFill/>
+          <a:ln w="38100">
+            <a:solidFill>
+              <a:srgbClr val="FF0000"/>
+            </a:solidFill>
+          </a:ln>
         </p:spPr>
         <p:style>
           <a:lnRef idx="2">
@@ -14849,7 +15008,7 @@
     </p:spTree>
     <p:extLst>
       <p:ext uri="{BB962C8B-B14F-4D97-AF65-F5344CB8AC3E}">
-        <p14:creationId xmlns:p14="http://schemas.microsoft.com/office/powerpoint/2010/main" val="2686488836"/>
+        <p14:creationId xmlns:p14="http://schemas.microsoft.com/office/powerpoint/2010/main" val="3732125390"/>
       </p:ext>
     </p:extLst>
   </p:cSld>
@@ -15102,13 +15261,13 @@
         </p:spPr>
         <p:txBody>
           <a:bodyPr>
-            <a:normAutofit lnSpcReduction="10000"/>
+            <a:normAutofit/>
           </a:bodyPr>
           <a:lstStyle/>
           <a:p>
             <a:r>
-              <a:rPr kumimoji="1" lang="ja-JP" altLang="en-US" sz="3600" b="1" u="sng" dirty="0"/>
-              <a:t>リポジトリの作成</a:t>
+              <a:rPr lang="ja-JP" altLang="en-US" sz="3600" b="1" u="sng" dirty="0"/>
+              <a:t>バックアップ操作（コミット）</a:t>
             </a:r>
             <a:br>
               <a:rPr kumimoji="1" lang="en-US" altLang="ja-JP" sz="3600" b="1" u="sng" dirty="0"/>
@@ -15117,62 +15276,75 @@
               <a:rPr lang="en-US" altLang="ja-JP" sz="3600" dirty="0"/>
             </a:br>
             <a:r>
+              <a:rPr lang="ja-JP" altLang="en-US" sz="3600" dirty="0"/>
+              <a:t>ファイル一覧の下の</a:t>
+            </a:r>
+            <a:r>
               <a:rPr lang="en-US" altLang="ja-JP" sz="3600" dirty="0"/>
-              <a:t>Name</a:t>
+              <a:t>Summary</a:t>
             </a:r>
             <a:r>
               <a:rPr lang="ja-JP" altLang="en-US" sz="3600" dirty="0"/>
-              <a:t>にリポジトリ名が</a:t>
+              <a:t>部分</a:t>
             </a:r>
             <a:br>
               <a:rPr lang="en-US" altLang="ja-JP" sz="3600" dirty="0"/>
             </a:br>
             <a:r>
               <a:rPr lang="ja-JP" altLang="en-US" sz="3600" dirty="0"/>
-              <a:t>入っていることを確認</a:t>
+              <a:t>にコメントを入力する</a:t>
             </a:r>
             <a:br>
               <a:rPr lang="en-US" altLang="ja-JP" sz="3600" dirty="0"/>
             </a:br>
+            <a:r>
+              <a:rPr lang="ja-JP" altLang="en-US" sz="3600" dirty="0"/>
+              <a:t>何を入力していいかわからない時</a:t>
+            </a:r>
             <a:br>
               <a:rPr lang="en-US" altLang="ja-JP" sz="3600" dirty="0"/>
             </a:br>
             <a:r>
+              <a:rPr lang="ja-JP" altLang="en-US" sz="3600" dirty="0"/>
+              <a:t>は日付（例：</a:t>
+            </a:r>
+            <a:r>
               <a:rPr lang="en-US" altLang="ja-JP" sz="3600" dirty="0"/>
-              <a:t>[Keep this …]</a:t>
+              <a:t>20250606</a:t>
             </a:r>
             <a:r>
               <a:rPr lang="ja-JP" altLang="en-US" sz="3600" dirty="0"/>
-              <a:t>の</a:t>
-            </a:r>
-            <a:br>
+              <a:t>や</a:t>
+            </a:r>
+            <a:r>
               <a:rPr lang="en-US" altLang="ja-JP" sz="3600" dirty="0"/>
-            </a:br>
+              <a:t>0606</a:t>
+            </a:r>
             <a:r>
               <a:rPr lang="ja-JP" altLang="en-US" sz="3600" dirty="0"/>
-              <a:t>チェックは外して</a:t>
+              <a:t>）を</a:t>
             </a:r>
             <a:br>
               <a:rPr lang="en-US" altLang="ja-JP" sz="3600" dirty="0"/>
             </a:br>
+            <a:r>
+              <a:rPr lang="ja-JP" altLang="en-US" sz="3600" dirty="0"/>
+              <a:t>入力する</a:t>
+            </a:r>
             <a:br>
               <a:rPr lang="en-US" altLang="ja-JP" sz="3600" dirty="0"/>
             </a:br>
-            <a:r>
-              <a:rPr lang="en-US" altLang="ja-JP" b="1" dirty="0">
+            <a:br>
+              <a:rPr lang="en-US" altLang="ja-JP" sz="3600" dirty="0"/>
+            </a:br>
+            <a:r>
+              <a:rPr lang="en-US" altLang="ja-JP" sz="3600" dirty="0">
                 <a:solidFill>
                   <a:srgbClr val="00B0F0"/>
                 </a:solidFill>
               </a:rPr>
-              <a:t>[Publish Repository]</a:t>
-            </a:r>
-            <a:br>
-              <a:rPr lang="en-US" altLang="ja-JP" b="1" dirty="0">
-                <a:solidFill>
-                  <a:srgbClr val="00B0F0"/>
-                </a:solidFill>
-              </a:rPr>
-            </a:br>
+              <a:t>[Commit to main]</a:t>
+            </a:r>
             <a:r>
               <a:rPr lang="ja-JP" altLang="en-US" sz="3600" dirty="0"/>
               <a:t>をクリック</a:t>
@@ -15181,80 +15353,47 @@
           </a:p>
         </p:txBody>
       </p:sp>
-      <p:graphicFrame>
-        <p:nvGraphicFramePr>
-          <p:cNvPr id="4" name="オブジェクト 3">
-            <a:extLst>
-              <a:ext uri="{FF2B5EF4-FFF2-40B4-BE49-F238E27FC236}">
-                <a16:creationId xmlns:a16="http://schemas.microsoft.com/office/drawing/2014/main" id="{DDD7AF69-33A5-1355-DD0B-EBE5F9C1ADB1}"/>
-              </a:ext>
-            </a:extLst>
-          </p:cNvPr>
-          <p:cNvGraphicFramePr>
-            <a:graphicFrameLocks noChangeAspect="1"/>
-          </p:cNvGraphicFramePr>
-          <p:nvPr>
-            <p:extLst>
-              <p:ext uri="{D42A27DB-BD31-4B8C-83A1-F6EECF244321}">
-                <p14:modId xmlns:p14="http://schemas.microsoft.com/office/powerpoint/2010/main" val="1429533600"/>
-              </p:ext>
-            </p:extLst>
-          </p:nvPr>
-        </p:nvGraphicFramePr>
-        <p:xfrm>
-          <a:off x="5943600" y="1981200"/>
-          <a:ext cx="5943600" cy="4142436"/>
-        </p:xfrm>
-        <a:graphic>
-          <a:graphicData uri="http://schemas.openxmlformats.org/presentationml/2006/ole">
-            <mc:AlternateContent xmlns:mc="http://schemas.openxmlformats.org/markup-compatibility/2006">
-              <mc:Choice xmlns:v="urn:schemas-microsoft-com:vml" Requires="v">
-                <p:oleObj spid="_x0000_s1028" r:id="rId3" imgW="12511119" imgH="8719558" progId="">
-                  <p:embed/>
-                </p:oleObj>
-              </mc:Choice>
-              <mc:Fallback>
-                <p:oleObj r:id="rId3" imgW="12511119" imgH="8719558" progId="">
-                  <p:embed/>
-                  <p:pic>
-                    <p:nvPicPr>
-                      <p:cNvPr id="0" name=""/>
-                      <p:cNvPicPr/>
-                      <p:nvPr/>
-                    </p:nvPicPr>
-                    <p:blipFill>
-                      <a:blip r:embed="rId4"/>
-                      <a:stretch>
-                        <a:fillRect/>
-                      </a:stretch>
-                    </p:blipFill>
-                    <p:spPr>
-                      <a:xfrm>
-                        <a:off x="5943600" y="1981200"/>
-                        <a:ext cx="5943600" cy="4142436"/>
-                      </a:xfrm>
-                      <a:prstGeom prst="rect">
-                        <a:avLst/>
-                      </a:prstGeom>
-                      <a:ln>
-                        <a:solidFill>
-                          <a:schemeClr val="tx1"/>
-                        </a:solidFill>
-                      </a:ln>
-                    </p:spPr>
-                  </p:pic>
-                </p:oleObj>
-              </mc:Fallback>
-            </mc:AlternateContent>
-          </a:graphicData>
-        </a:graphic>
-      </p:graphicFrame>
-      <p:sp>
-        <p:nvSpPr>
-          <p:cNvPr id="8" name="矢印: 下 7">
-            <a:extLst>
-              <a:ext uri="{FF2B5EF4-FFF2-40B4-BE49-F238E27FC236}">
-                <a16:creationId xmlns:a16="http://schemas.microsoft.com/office/drawing/2014/main" id="{2E09F599-70C7-3C3B-4E66-1CA9615DC6AE}"/>
+      <p:pic>
+        <p:nvPicPr>
+          <p:cNvPr id="7" name="図 6">
+            <a:extLst>
+              <a:ext uri="{FF2B5EF4-FFF2-40B4-BE49-F238E27FC236}">
+                <a16:creationId xmlns:a16="http://schemas.microsoft.com/office/drawing/2014/main" id="{C3ED8C08-D0BB-AE13-3ED5-E4B19DF6800D}"/>
+              </a:ext>
+            </a:extLst>
+          </p:cNvPr>
+          <p:cNvPicPr>
+            <a:picLocks noChangeAspect="1"/>
+          </p:cNvPicPr>
+          <p:nvPr/>
+        </p:nvPicPr>
+        <p:blipFill>
+          <a:blip r:embed="rId2"/>
+          <a:stretch>
+            <a:fillRect/>
+          </a:stretch>
+        </p:blipFill>
+        <p:spPr>
+          <a:xfrm>
+            <a:off x="8001000" y="1900981"/>
+            <a:ext cx="4114800" cy="4371975"/>
+          </a:xfrm>
+          <a:prstGeom prst="rect">
+            <a:avLst/>
+          </a:prstGeom>
+          <a:ln>
+            <a:solidFill>
+              <a:schemeClr val="tx1"/>
+            </a:solidFill>
+          </a:ln>
+        </p:spPr>
+      </p:pic>
+      <p:sp>
+        <p:nvSpPr>
+          <p:cNvPr id="4" name="正方形/長方形 3">
+            <a:extLst>
+              <a:ext uri="{FF2B5EF4-FFF2-40B4-BE49-F238E27FC236}">
+                <a16:creationId xmlns:a16="http://schemas.microsoft.com/office/drawing/2014/main" id="{0CD6E61E-6FFB-1981-B097-0915A780C9F7}"/>
               </a:ext>
             </a:extLst>
           </p:cNvPr>
@@ -15263,15 +15402,18 @@
         </p:nvSpPr>
         <p:spPr>
           <a:xfrm>
-            <a:off x="10591800" y="5029200"/>
-            <a:ext cx="457200" cy="533400"/>
-          </a:xfrm>
-          <a:prstGeom prst="downArrow">
+            <a:off x="8628343" y="3238500"/>
+            <a:ext cx="3335057" cy="381000"/>
+          </a:xfrm>
+          <a:prstGeom prst="rect">
             <a:avLst/>
           </a:prstGeom>
-          <a:solidFill>
-            <a:srgbClr val="FF0000"/>
-          </a:solidFill>
+          <a:noFill/>
+          <a:ln w="38100">
+            <a:solidFill>
+              <a:srgbClr val="FF0000"/>
+            </a:solidFill>
+          </a:ln>
         </p:spPr>
         <p:style>
           <a:lnRef idx="2">
@@ -15300,69 +15442,27 @@
       </p:sp>
       <p:sp>
         <p:nvSpPr>
-          <p:cNvPr id="5" name="テキスト ボックス 4">
-            <a:extLst>
-              <a:ext uri="{FF2B5EF4-FFF2-40B4-BE49-F238E27FC236}">
-                <a16:creationId xmlns:a16="http://schemas.microsoft.com/office/drawing/2014/main" id="{B9816B12-086E-88B6-1645-80F93C06FA89}"/>
-              </a:ext>
-            </a:extLst>
-          </p:cNvPr>
-          <p:cNvSpPr txBox="1"/>
+          <p:cNvPr id="8" name="矢印: 下 7">
+            <a:extLst>
+              <a:ext uri="{FF2B5EF4-FFF2-40B4-BE49-F238E27FC236}">
+                <a16:creationId xmlns:a16="http://schemas.microsoft.com/office/drawing/2014/main" id="{2E09F599-70C7-3C3B-4E66-1CA9615DC6AE}"/>
+              </a:ext>
+            </a:extLst>
+          </p:cNvPr>
+          <p:cNvSpPr/>
           <p:nvPr/>
         </p:nvSpPr>
         <p:spPr>
           <a:xfrm>
-            <a:off x="6212952" y="3549501"/>
-            <a:ext cx="2084225" cy="369332"/>
-          </a:xfrm>
-          <a:prstGeom prst="rect">
+            <a:off x="9829800" y="5257800"/>
+            <a:ext cx="457200" cy="533400"/>
+          </a:xfrm>
+          <a:prstGeom prst="downArrow">
             <a:avLst/>
           </a:prstGeom>
-          <a:noFill/>
-        </p:spPr>
-        <p:txBody>
-          <a:bodyPr wrap="none" rtlCol="0">
-            <a:spAutoFit/>
-          </a:bodyPr>
-          <a:lstStyle/>
-          <a:p>
-            <a:r>
-              <a:rPr kumimoji="1" lang="ja-JP" altLang="en-US" dirty="0">
-                <a:solidFill>
-                  <a:srgbClr val="FF0000"/>
-                </a:solidFill>
-              </a:rPr>
-              <a:t>リポジトリ名と同じ</a:t>
-            </a:r>
-          </a:p>
-        </p:txBody>
-      </p:sp>
-      <p:sp>
-        <p:nvSpPr>
-          <p:cNvPr id="6" name="楕円 5">
-            <a:extLst>
-              <a:ext uri="{FF2B5EF4-FFF2-40B4-BE49-F238E27FC236}">
-                <a16:creationId xmlns:a16="http://schemas.microsoft.com/office/drawing/2014/main" id="{5859CF2B-75E9-B2CB-745C-A665A16FD720}"/>
-              </a:ext>
-            </a:extLst>
-          </p:cNvPr>
-          <p:cNvSpPr/>
-          <p:nvPr/>
-        </p:nvSpPr>
-        <p:spPr>
-          <a:xfrm>
-            <a:off x="6085367" y="4690731"/>
-            <a:ext cx="381000" cy="381000"/>
-          </a:xfrm>
-          <a:prstGeom prst="ellipse">
-            <a:avLst/>
-          </a:prstGeom>
-          <a:noFill/>
-          <a:ln w="28575">
-            <a:solidFill>
-              <a:srgbClr val="FF0000"/>
-            </a:solidFill>
-          </a:ln>
+          <a:solidFill>
+            <a:srgbClr val="FF0000"/>
+          </a:solidFill>
         </p:spPr>
         <p:style>
           <a:lnRef idx="2">
@@ -15389,49 +15489,10 @@
           </a:p>
         </p:txBody>
       </p:sp>
-      <p:sp>
-        <p:nvSpPr>
-          <p:cNvPr id="7" name="テキスト ボックス 6">
-            <a:extLst>
-              <a:ext uri="{FF2B5EF4-FFF2-40B4-BE49-F238E27FC236}">
-                <a16:creationId xmlns:a16="http://schemas.microsoft.com/office/drawing/2014/main" id="{5079DFF3-0063-663E-3E09-C104A036012C}"/>
-              </a:ext>
-            </a:extLst>
-          </p:cNvPr>
-          <p:cNvSpPr txBox="1"/>
-          <p:nvPr/>
-        </p:nvSpPr>
-        <p:spPr>
-          <a:xfrm>
-            <a:off x="6085367" y="5098320"/>
-            <a:ext cx="1899879" cy="369332"/>
-          </a:xfrm>
-          <a:prstGeom prst="rect">
-            <a:avLst/>
-          </a:prstGeom>
-          <a:noFill/>
-        </p:spPr>
-        <p:txBody>
-          <a:bodyPr wrap="none" rtlCol="0">
-            <a:spAutoFit/>
-          </a:bodyPr>
-          <a:lstStyle/>
-          <a:p>
-            <a:r>
-              <a:rPr kumimoji="1" lang="ja-JP" altLang="en-US" dirty="0">
-                <a:solidFill>
-                  <a:srgbClr val="FF0000"/>
-                </a:solidFill>
-              </a:rPr>
-              <a:t>↑チェックを外す</a:t>
-            </a:r>
-          </a:p>
-        </p:txBody>
-      </p:sp>
     </p:spTree>
     <p:extLst>
       <p:ext uri="{BB962C8B-B14F-4D97-AF65-F5344CB8AC3E}">
-        <p14:creationId xmlns:p14="http://schemas.microsoft.com/office/powerpoint/2010/main" val="2152220617"/>
+        <p14:creationId xmlns:p14="http://schemas.microsoft.com/office/powerpoint/2010/main" val="3309704752"/>
       </p:ext>
     </p:extLst>
   </p:cSld>
@@ -15519,11 +15580,11 @@
           <a:lstStyle/>
           <a:p>
             <a:r>
-              <a:rPr kumimoji="1" lang="ja-JP" altLang="en-US" sz="3600" b="1" u="sng" dirty="0"/>
-              <a:t>リポジトリの作成</a:t>
-            </a:r>
-            <a:br>
-              <a:rPr kumimoji="1" lang="en-US" altLang="ja-JP" sz="3600" b="1" u="sng" dirty="0"/>
+              <a:rPr lang="ja-JP" altLang="en-US" sz="3600" b="1" u="sng" dirty="0"/>
+              <a:t>バックアップ操作（コミット）</a:t>
+            </a:r>
+            <a:br>
+              <a:rPr lang="en-US" altLang="ja-JP" sz="3600" b="1" u="sng" dirty="0"/>
             </a:br>
             <a:br>
               <a:rPr lang="en-US" altLang="ja-JP" sz="3600" dirty="0"/>

--- a/授業資料/GitHub登録方法.pptx
+++ b/授業資料/GitHub登録方法.pptx
@@ -56,6 +56,9 @@
     <p:sldId id="324" r:id="rId50"/>
     <p:sldId id="325" r:id="rId51"/>
     <p:sldId id="328" r:id="rId52"/>
+    <p:sldId id="332" r:id="rId53"/>
+    <p:sldId id="333" r:id="rId54"/>
+    <p:sldId id="334" r:id="rId55"/>
   </p:sldIdLst>
   <p:sldSz cx="12192000" cy="6858000"/>
   <p:notesSz cx="12192000" cy="6858000"/>
@@ -13747,16 +13750,22 @@
             <a:r>
               <a:rPr lang="en-US" altLang="ja-JP" b="1" dirty="0">
                 <a:solidFill>
-                  <a:srgbClr val="00B0F0"/>
+                  <a:schemeClr val="bg1"/>
                 </a:solidFill>
+                <a:highlight>
+                  <a:srgbClr val="0000FF"/>
+                </a:highlight>
               </a:rPr>
               <a:t>[Publish Repository]</a:t>
             </a:r>
             <a:br>
               <a:rPr lang="en-US" altLang="ja-JP" b="1" dirty="0">
                 <a:solidFill>
-                  <a:srgbClr val="00B0F0"/>
+                  <a:schemeClr val="bg1"/>
                 </a:solidFill>
+                <a:highlight>
+                  <a:srgbClr val="0000FF"/>
+                </a:highlight>
               </a:rPr>
             </a:br>
             <a:br>
@@ -13798,7 +13807,7 @@
           <a:graphicData uri="http://schemas.openxmlformats.org/presentationml/2006/ole">
             <mc:AlternateContent xmlns:mc="http://schemas.openxmlformats.org/markup-compatibility/2006">
               <mc:Choice xmlns:v="urn:schemas-microsoft-com:vml" Requires="v">
-                <p:oleObj spid="_x0000_s2050" r:id="rId3" imgW="12511119" imgH="8719558" progId="">
+                <p:oleObj spid="_x0000_s2052" r:id="rId3" imgW="12511119" imgH="8719558" progId="">
                   <p:embed/>
                 </p:oleObj>
               </mc:Choice>
@@ -15340,8 +15349,11 @@
             <a:r>
               <a:rPr lang="en-US" altLang="ja-JP" sz="3600" dirty="0">
                 <a:solidFill>
-                  <a:srgbClr val="00B0F0"/>
+                  <a:schemeClr val="bg1"/>
                 </a:solidFill>
+                <a:highlight>
+                  <a:srgbClr val="0000FF"/>
+                </a:highlight>
               </a:rPr>
               <a:t>[Commit to main]</a:t>
             </a:r>
@@ -15590,25 +15602,243 @@
               <a:rPr lang="en-US" altLang="ja-JP" sz="3600" dirty="0"/>
             </a:br>
             <a:r>
+              <a:rPr lang="en-US" altLang="ja-JP" sz="3600" dirty="0" err="1"/>
+              <a:t>GitHubDesktop</a:t>
+            </a:r>
+            <a:r>
               <a:rPr lang="ja-JP" altLang="en-US" sz="3600" dirty="0"/>
-              <a:t>エラーが表示されなければ、リポジトリファイルの</a:t>
-            </a:r>
-            <a:br>
-              <a:rPr lang="en-US" altLang="ja-JP" sz="3600" dirty="0"/>
+              <a:t>の右ペインに</a:t>
+            </a:r>
+            <a:r>
+              <a:rPr lang="en-US" altLang="ja-JP" sz="3600" dirty="0">
+                <a:solidFill>
+                  <a:schemeClr val="bg1"/>
+                </a:solidFill>
+                <a:highlight>
+                  <a:srgbClr val="0000FF"/>
+                </a:highlight>
+              </a:rPr>
+              <a:t>[Push origin]</a:t>
+            </a:r>
+            <a:br>
+              <a:rPr lang="en-US" altLang="ja-JP" sz="3600" dirty="0">
+                <a:solidFill>
+                  <a:schemeClr val="bg1"/>
+                </a:solidFill>
+              </a:rPr>
             </a:br>
             <a:r>
               <a:rPr lang="ja-JP" altLang="en-US" sz="3600" dirty="0"/>
-              <a:t>作成は終了</a:t>
-            </a:r>
-            <a:br>
-              <a:rPr lang="en-US" altLang="ja-JP" sz="3600" dirty="0"/>
+              <a:t>ボタンが表示されるのでクリックする</a:t>
+            </a:r>
+            <a:endParaRPr lang="en-US" altLang="ja-JP" sz="3600" dirty="0"/>
+          </a:p>
+        </p:txBody>
+      </p:sp>
+      <p:pic>
+        <p:nvPicPr>
+          <p:cNvPr id="4" name="図 3">
+            <a:extLst>
+              <a:ext uri="{FF2B5EF4-FFF2-40B4-BE49-F238E27FC236}">
+                <a16:creationId xmlns:a16="http://schemas.microsoft.com/office/drawing/2014/main" id="{7EBE3102-13CB-4054-ADD6-9974A8FF08CB}"/>
+              </a:ext>
+            </a:extLst>
+          </p:cNvPr>
+          <p:cNvPicPr>
+            <a:picLocks noChangeAspect="1"/>
+          </p:cNvPicPr>
+          <p:nvPr/>
+        </p:nvPicPr>
+        <p:blipFill>
+          <a:blip r:embed="rId2"/>
+          <a:stretch>
+            <a:fillRect/>
+          </a:stretch>
+        </p:blipFill>
+        <p:spPr>
+          <a:xfrm>
+            <a:off x="2133600" y="3657600"/>
+            <a:ext cx="8229600" cy="3033615"/>
+          </a:xfrm>
+          <a:prstGeom prst="rect">
+            <a:avLst/>
+          </a:prstGeom>
+          <a:ln>
+            <a:solidFill>
+              <a:schemeClr val="tx1"/>
+            </a:solidFill>
+          </a:ln>
+        </p:spPr>
+      </p:pic>
+      <p:sp>
+        <p:nvSpPr>
+          <p:cNvPr id="5" name="矢印: 下 4">
+            <a:extLst>
+              <a:ext uri="{FF2B5EF4-FFF2-40B4-BE49-F238E27FC236}">
+                <a16:creationId xmlns:a16="http://schemas.microsoft.com/office/drawing/2014/main" id="{7A0CB4EC-9F0D-4767-BE82-AA80900A6EDB}"/>
+              </a:ext>
+            </a:extLst>
+          </p:cNvPr>
+          <p:cNvSpPr/>
+          <p:nvPr/>
+        </p:nvSpPr>
+        <p:spPr>
+          <a:xfrm>
+            <a:off x="9220200" y="5174407"/>
+            <a:ext cx="457200" cy="533400"/>
+          </a:xfrm>
+          <a:prstGeom prst="downArrow">
+            <a:avLst/>
+          </a:prstGeom>
+          <a:solidFill>
+            <a:srgbClr val="FF0000"/>
+          </a:solidFill>
+        </p:spPr>
+        <p:style>
+          <a:lnRef idx="2">
+            <a:schemeClr val="accent1">
+              <a:shade val="15000"/>
+            </a:schemeClr>
+          </a:lnRef>
+          <a:fillRef idx="1">
+            <a:schemeClr val="accent1"/>
+          </a:fillRef>
+          <a:effectRef idx="0">
+            <a:schemeClr val="accent1"/>
+          </a:effectRef>
+          <a:fontRef idx="minor">
+            <a:schemeClr val="lt1"/>
+          </a:fontRef>
+        </p:style>
+        <p:txBody>
+          <a:bodyPr rtlCol="0" anchor="ctr"/>
+          <a:lstStyle/>
+          <a:p>
+            <a:pPr algn="ctr"/>
+            <a:endParaRPr kumimoji="1" lang="ja-JP" altLang="en-US"/>
+          </a:p>
+        </p:txBody>
+      </p:sp>
+    </p:spTree>
+    <p:extLst>
+      <p:ext uri="{BB962C8B-B14F-4D97-AF65-F5344CB8AC3E}">
+        <p14:creationId xmlns:p14="http://schemas.microsoft.com/office/powerpoint/2010/main" val="2915646166"/>
+      </p:ext>
+    </p:extLst>
+  </p:cSld>
+  <p:clrMapOvr>
+    <a:masterClrMapping/>
+  </p:clrMapOvr>
+</p:sld>
+</file>
+
+<file path=ppt/slides/slide52.xml><?xml version="1.0" encoding="utf-8"?>
+<p:sld xmlns:a="http://schemas.openxmlformats.org/drawingml/2006/main" xmlns:r="http://schemas.openxmlformats.org/officeDocument/2006/relationships" xmlns:p="http://schemas.openxmlformats.org/presentationml/2006/main">
+  <p:cSld>
+    <p:spTree>
+      <p:nvGrpSpPr>
+        <p:cNvPr id="1" name=""/>
+        <p:cNvGrpSpPr/>
+        <p:nvPr/>
+      </p:nvGrpSpPr>
+      <p:grpSpPr>
+        <a:xfrm>
+          <a:off x="0" y="0"/>
+          <a:ext cx="0" cy="0"/>
+          <a:chOff x="0" y="0"/>
+          <a:chExt cx="0" cy="0"/>
+        </a:xfrm>
+      </p:grpSpPr>
+      <p:sp>
+        <p:nvSpPr>
+          <p:cNvPr id="2" name="タイトル 1">
+            <a:extLst>
+              <a:ext uri="{FF2B5EF4-FFF2-40B4-BE49-F238E27FC236}">
+                <a16:creationId xmlns:a16="http://schemas.microsoft.com/office/drawing/2014/main" id="{DFEC204E-47F7-1206-5749-50C50E91D9F5}"/>
+              </a:ext>
+            </a:extLst>
+          </p:cNvPr>
+          <p:cNvSpPr>
+            <a:spLocks noGrp="1"/>
+          </p:cNvSpPr>
+          <p:nvPr>
+            <p:ph type="title"/>
+          </p:nvPr>
+        </p:nvSpPr>
+        <p:spPr/>
+        <p:txBody>
+          <a:bodyPr/>
+          <a:lstStyle/>
+          <a:p>
+            <a:r>
+              <a:rPr kumimoji="1" lang="en-US" altLang="ja-JP" dirty="0"/>
+              <a:t>GitHub</a:t>
+            </a:r>
+            <a:r>
+              <a:rPr kumimoji="1" lang="ja-JP" altLang="en-US" dirty="0"/>
+              <a:t>の使い方</a:t>
+            </a:r>
+          </a:p>
+        </p:txBody>
+      </p:sp>
+      <p:sp>
+        <p:nvSpPr>
+          <p:cNvPr id="3" name="コンテンツ プレースホルダー 2">
+            <a:extLst>
+              <a:ext uri="{FF2B5EF4-FFF2-40B4-BE49-F238E27FC236}">
+                <a16:creationId xmlns:a16="http://schemas.microsoft.com/office/drawing/2014/main" id="{01065346-7061-05F6-5FE9-60987CC15B4D}"/>
+              </a:ext>
+            </a:extLst>
+          </p:cNvPr>
+          <p:cNvSpPr>
+            <a:spLocks noGrp="1"/>
+          </p:cNvSpPr>
+          <p:nvPr>
+            <p:ph idx="1"/>
+          </p:nvPr>
+        </p:nvSpPr>
+        <p:spPr>
+          <a:xfrm>
+            <a:off x="838200" y="1391393"/>
+            <a:ext cx="10896600" cy="4881563"/>
+          </a:xfrm>
+        </p:spPr>
+        <p:txBody>
+          <a:bodyPr>
+            <a:normAutofit/>
+          </a:bodyPr>
+          <a:lstStyle/>
+          <a:p>
+            <a:r>
+              <a:rPr lang="ja-JP" altLang="en-US" sz="3600" b="1" u="sng" dirty="0"/>
+              <a:t>バックアップ操作（コミット）</a:t>
+            </a:r>
+            <a:br>
+              <a:rPr lang="en-US" altLang="ja-JP" sz="3600" b="1" u="sng" dirty="0"/>
             </a:br>
             <a:br>
               <a:rPr lang="en-US" altLang="ja-JP" sz="3600" dirty="0"/>
             </a:br>
             <a:r>
               <a:rPr lang="ja-JP" altLang="en-US" sz="3600" dirty="0"/>
-              <a:t>以降は更新したファイルを</a:t>
+              <a:t>エラーが表示されなければ、バックアップの作成</a:t>
+            </a:r>
+            <a:br>
+              <a:rPr lang="en-US" altLang="ja-JP" sz="3600" dirty="0"/>
+            </a:br>
+            <a:r>
+              <a:rPr lang="ja-JP" altLang="en-US" sz="3600" dirty="0"/>
+              <a:t>作業は終了</a:t>
+            </a:r>
+            <a:br>
+              <a:rPr lang="en-US" altLang="ja-JP" sz="3600" dirty="0"/>
+            </a:br>
+            <a:br>
+              <a:rPr lang="en-US" altLang="ja-JP" sz="3600" dirty="0"/>
+            </a:br>
+            <a:r>
+              <a:rPr lang="ja-JP" altLang="en-US" sz="3600" dirty="0"/>
+              <a:t>以降は更新したファイルを①</a:t>
             </a:r>
             <a:r>
               <a:rPr lang="en-US" altLang="ja-JP" sz="3600" b="1" dirty="0">
@@ -15625,6 +15855,10 @@
             <a:r>
               <a:rPr lang="en-US" altLang="ja-JP" sz="3600" dirty="0"/>
               <a:t>,</a:t>
+            </a:r>
+            <a:r>
+              <a:rPr lang="ja-JP" altLang="en-US" sz="3600" dirty="0"/>
+              <a:t>②</a:t>
             </a:r>
             <a:r>
               <a:rPr lang="en-US" altLang="ja-JP" sz="3600" b="1" dirty="0">
@@ -15638,14 +15872,7 @@
             </a:r>
             <a:r>
               <a:rPr lang="ja-JP" altLang="en-US" sz="3600" dirty="0"/>
-              <a:t>する</a:t>
-            </a:r>
-            <a:br>
-              <a:rPr lang="en-US" altLang="ja-JP" sz="3600" dirty="0"/>
-            </a:br>
-            <a:r>
-              <a:rPr lang="ja-JP" altLang="en-US" sz="3600" dirty="0"/>
-              <a:t>ことで最新のファイルが</a:t>
+              <a:t>することで最新のファイルが</a:t>
             </a:r>
             <a:r>
               <a:rPr lang="en-US" altLang="ja-JP" sz="3600" dirty="0"/>
@@ -15669,7 +15896,412 @@
     </p:spTree>
     <p:extLst>
       <p:ext uri="{BB962C8B-B14F-4D97-AF65-F5344CB8AC3E}">
-        <p14:creationId xmlns:p14="http://schemas.microsoft.com/office/powerpoint/2010/main" val="2915646166"/>
+        <p14:creationId xmlns:p14="http://schemas.microsoft.com/office/powerpoint/2010/main" val="2814796712"/>
+      </p:ext>
+    </p:extLst>
+  </p:cSld>
+  <p:clrMapOvr>
+    <a:masterClrMapping/>
+  </p:clrMapOvr>
+</p:sld>
+</file>
+
+<file path=ppt/slides/slide53.xml><?xml version="1.0" encoding="utf-8"?>
+<p:sld xmlns:a="http://schemas.openxmlformats.org/drawingml/2006/main" xmlns:r="http://schemas.openxmlformats.org/officeDocument/2006/relationships" xmlns:p="http://schemas.openxmlformats.org/presentationml/2006/main">
+  <p:cSld>
+    <p:spTree>
+      <p:nvGrpSpPr>
+        <p:cNvPr id="1" name=""/>
+        <p:cNvGrpSpPr/>
+        <p:nvPr/>
+      </p:nvGrpSpPr>
+      <p:grpSpPr>
+        <a:xfrm>
+          <a:off x="0" y="0"/>
+          <a:ext cx="0" cy="0"/>
+          <a:chOff x="0" y="0"/>
+          <a:chExt cx="0" cy="0"/>
+        </a:xfrm>
+      </p:grpSpPr>
+      <p:sp>
+        <p:nvSpPr>
+          <p:cNvPr id="2" name="タイトル 1">
+            <a:extLst>
+              <a:ext uri="{FF2B5EF4-FFF2-40B4-BE49-F238E27FC236}">
+                <a16:creationId xmlns:a16="http://schemas.microsoft.com/office/drawing/2014/main" id="{DFEC204E-47F7-1206-5749-50C50E91D9F5}"/>
+              </a:ext>
+            </a:extLst>
+          </p:cNvPr>
+          <p:cNvSpPr>
+            <a:spLocks noGrp="1"/>
+          </p:cNvSpPr>
+          <p:nvPr>
+            <p:ph type="title"/>
+          </p:nvPr>
+        </p:nvSpPr>
+        <p:spPr/>
+        <p:txBody>
+          <a:bodyPr/>
+          <a:lstStyle/>
+          <a:p>
+            <a:r>
+              <a:rPr kumimoji="1" lang="en-US" altLang="ja-JP" dirty="0"/>
+              <a:t>GitHub</a:t>
+            </a:r>
+            <a:r>
+              <a:rPr kumimoji="1" lang="ja-JP" altLang="en-US" dirty="0"/>
+              <a:t>の使い方</a:t>
+            </a:r>
+          </a:p>
+        </p:txBody>
+      </p:sp>
+      <p:sp>
+        <p:nvSpPr>
+          <p:cNvPr id="3" name="コンテンツ プレースホルダー 2">
+            <a:extLst>
+              <a:ext uri="{FF2B5EF4-FFF2-40B4-BE49-F238E27FC236}">
+                <a16:creationId xmlns:a16="http://schemas.microsoft.com/office/drawing/2014/main" id="{01065346-7061-05F6-5FE9-60987CC15B4D}"/>
+              </a:ext>
+            </a:extLst>
+          </p:cNvPr>
+          <p:cNvSpPr>
+            <a:spLocks noGrp="1"/>
+          </p:cNvSpPr>
+          <p:nvPr>
+            <p:ph idx="1"/>
+          </p:nvPr>
+        </p:nvSpPr>
+        <p:spPr>
+          <a:xfrm>
+            <a:off x="838200" y="1391393"/>
+            <a:ext cx="10896600" cy="4881563"/>
+          </a:xfrm>
+        </p:spPr>
+        <p:txBody>
+          <a:bodyPr>
+            <a:normAutofit/>
+          </a:bodyPr>
+          <a:lstStyle/>
+          <a:p>
+            <a:r>
+              <a:rPr lang="ja-JP" altLang="en-US" sz="3600" b="1" u="sng" dirty="0"/>
+              <a:t>注意事項</a:t>
+            </a:r>
+            <a:br>
+              <a:rPr lang="en-US" altLang="ja-JP" sz="3600" b="1" u="sng" dirty="0"/>
+            </a:br>
+            <a:br>
+              <a:rPr lang="en-US" altLang="ja-JP" sz="3600" dirty="0"/>
+            </a:br>
+            <a:r>
+              <a:rPr lang="en-US" altLang="ja-JP" sz="3600" dirty="0" err="1"/>
+              <a:t>GitHubDesktop</a:t>
+            </a:r>
+            <a:r>
+              <a:rPr lang="ja-JP" altLang="en-US" sz="3600" dirty="0"/>
+              <a:t>がファイル更新を検知してくれる</a:t>
+            </a:r>
+            <a:br>
+              <a:rPr lang="en-US" altLang="ja-JP" sz="3600" dirty="0"/>
+            </a:br>
+            <a:r>
+              <a:rPr lang="ja-JP" altLang="en-US" sz="3600" dirty="0" err="1"/>
+              <a:t>のは</a:t>
+            </a:r>
+            <a:br>
+              <a:rPr lang="en-US" altLang="ja-JP" sz="3600" dirty="0"/>
+            </a:br>
+            <a:br>
+              <a:rPr lang="en-US" altLang="ja-JP" sz="3600" dirty="0"/>
+            </a:br>
+            <a:r>
+              <a:rPr lang="en-US" altLang="ja-JP" sz="3600" dirty="0"/>
+              <a:t>C:¥GitHub\clang2025</a:t>
+            </a:r>
+            <a:br>
+              <a:rPr lang="en-US" altLang="ja-JP" sz="3600" dirty="0"/>
+            </a:br>
+            <a:br>
+              <a:rPr lang="en-US" altLang="ja-JP" sz="3600" dirty="0"/>
+            </a:br>
+            <a:r>
+              <a:rPr lang="ja-JP" altLang="en-US" sz="3600" dirty="0"/>
+              <a:t>フォルダの下にあるファイルだけ。そのため、作業は</a:t>
+            </a:r>
+            <a:r>
+              <a:rPr lang="en-US" altLang="ja-JP" sz="3600" dirty="0"/>
+              <a:t>C:\GitHub</a:t>
+            </a:r>
+            <a:r>
+              <a:rPr lang="ja-JP" altLang="en-US" sz="3600" dirty="0"/>
+              <a:t>以下のフォルダで行うこと！</a:t>
+            </a:r>
+            <a:endParaRPr lang="en-US" altLang="ja-JP" sz="3600" dirty="0"/>
+          </a:p>
+        </p:txBody>
+      </p:sp>
+    </p:spTree>
+    <p:extLst>
+      <p:ext uri="{BB962C8B-B14F-4D97-AF65-F5344CB8AC3E}">
+        <p14:creationId xmlns:p14="http://schemas.microsoft.com/office/powerpoint/2010/main" val="3581081770"/>
+      </p:ext>
+    </p:extLst>
+  </p:cSld>
+  <p:clrMapOvr>
+    <a:masterClrMapping/>
+  </p:clrMapOvr>
+</p:sld>
+</file>
+
+<file path=ppt/slides/slide54.xml><?xml version="1.0" encoding="utf-8"?>
+<p:sld xmlns:a="http://schemas.openxmlformats.org/drawingml/2006/main" xmlns:r="http://schemas.openxmlformats.org/officeDocument/2006/relationships" xmlns:p="http://schemas.openxmlformats.org/presentationml/2006/main">
+  <p:cSld>
+    <p:spTree>
+      <p:nvGrpSpPr>
+        <p:cNvPr id="1" name=""/>
+        <p:cNvGrpSpPr/>
+        <p:nvPr/>
+      </p:nvGrpSpPr>
+      <p:grpSpPr>
+        <a:xfrm>
+          <a:off x="0" y="0"/>
+          <a:ext cx="0" cy="0"/>
+          <a:chOff x="0" y="0"/>
+          <a:chExt cx="0" cy="0"/>
+        </a:xfrm>
+      </p:grpSpPr>
+      <p:sp>
+        <p:nvSpPr>
+          <p:cNvPr id="2" name="タイトル 1">
+            <a:extLst>
+              <a:ext uri="{FF2B5EF4-FFF2-40B4-BE49-F238E27FC236}">
+                <a16:creationId xmlns:a16="http://schemas.microsoft.com/office/drawing/2014/main" id="{DFEC204E-47F7-1206-5749-50C50E91D9F5}"/>
+              </a:ext>
+            </a:extLst>
+          </p:cNvPr>
+          <p:cNvSpPr>
+            <a:spLocks noGrp="1"/>
+          </p:cNvSpPr>
+          <p:nvPr>
+            <p:ph type="title"/>
+          </p:nvPr>
+        </p:nvSpPr>
+        <p:spPr/>
+        <p:txBody>
+          <a:bodyPr/>
+          <a:lstStyle/>
+          <a:p>
+            <a:r>
+              <a:rPr kumimoji="1" lang="en-US" altLang="ja-JP" dirty="0"/>
+              <a:t>GitHub</a:t>
+            </a:r>
+            <a:r>
+              <a:rPr kumimoji="1" lang="ja-JP" altLang="en-US" dirty="0"/>
+              <a:t>の使い方</a:t>
+            </a:r>
+          </a:p>
+        </p:txBody>
+      </p:sp>
+      <p:sp>
+        <p:nvSpPr>
+          <p:cNvPr id="3" name="コンテンツ プレースホルダー 2">
+            <a:extLst>
+              <a:ext uri="{FF2B5EF4-FFF2-40B4-BE49-F238E27FC236}">
+                <a16:creationId xmlns:a16="http://schemas.microsoft.com/office/drawing/2014/main" id="{01065346-7061-05F6-5FE9-60987CC15B4D}"/>
+              </a:ext>
+            </a:extLst>
+          </p:cNvPr>
+          <p:cNvSpPr>
+            <a:spLocks noGrp="1"/>
+          </p:cNvSpPr>
+          <p:nvPr>
+            <p:ph idx="1"/>
+          </p:nvPr>
+        </p:nvSpPr>
+        <p:spPr>
+          <a:xfrm>
+            <a:off x="838200" y="1391393"/>
+            <a:ext cx="10896600" cy="4881563"/>
+          </a:xfrm>
+        </p:spPr>
+        <p:txBody>
+          <a:bodyPr>
+            <a:normAutofit/>
+          </a:bodyPr>
+          <a:lstStyle/>
+          <a:p>
+            <a:r>
+              <a:rPr lang="ja-JP" altLang="en-US" sz="3600" b="1" u="sng" dirty="0"/>
+              <a:t>注意事項</a:t>
+            </a:r>
+            <a:br>
+              <a:rPr lang="en-US" altLang="ja-JP" sz="3600" b="1" u="sng" dirty="0"/>
+            </a:br>
+            <a:br>
+              <a:rPr lang="en-US" altLang="ja-JP" sz="3600" dirty="0"/>
+            </a:br>
+            <a:r>
+              <a:rPr lang="ja-JP" altLang="en-US" sz="3600" dirty="0"/>
+              <a:t>ゲーム開発や</a:t>
+            </a:r>
+            <a:r>
+              <a:rPr lang="en-US" altLang="ja-JP" sz="3600" dirty="0"/>
+              <a:t>2D</a:t>
+            </a:r>
+            <a:r>
+              <a:rPr lang="ja-JP" altLang="en-US" sz="3600" dirty="0"/>
+              <a:t>ゲームの</a:t>
+            </a:r>
+            <a:br>
+              <a:rPr lang="en-US" altLang="ja-JP" sz="3600" dirty="0"/>
+            </a:br>
+            <a:r>
+              <a:rPr lang="ja-JP" altLang="en-US" sz="3600" dirty="0"/>
+              <a:t>フォルダをバックアップする</a:t>
+            </a:r>
+            <a:br>
+              <a:rPr lang="en-US" altLang="ja-JP" sz="3600" dirty="0"/>
+            </a:br>
+            <a:r>
+              <a:rPr lang="ja-JP" altLang="en-US" sz="3600" dirty="0"/>
+              <a:t>際は、リポジトリを作成する</a:t>
+            </a:r>
+            <a:br>
+              <a:rPr lang="en-US" altLang="ja-JP" sz="3600" dirty="0"/>
+            </a:br>
+            <a:r>
+              <a:rPr lang="ja-JP" altLang="en-US" sz="3600" dirty="0"/>
+              <a:t>ときに</a:t>
+            </a:r>
+            <a:r>
+              <a:rPr lang="en-US" altLang="ja-JP" sz="3600" dirty="0"/>
+              <a:t>Git ignore</a:t>
+            </a:r>
+            <a:r>
+              <a:rPr lang="ja-JP" altLang="en-US" sz="3600" dirty="0"/>
+              <a:t>の項目</a:t>
+            </a:r>
+            <a:br>
+              <a:rPr lang="en-US" altLang="ja-JP" sz="3600" dirty="0"/>
+            </a:br>
+            <a:r>
+              <a:rPr lang="ja-JP" altLang="en-US" sz="3600" dirty="0"/>
+              <a:t>を「</a:t>
+            </a:r>
+            <a:r>
+              <a:rPr lang="en-US" altLang="ja-JP" sz="3600" b="1" dirty="0" err="1">
+                <a:solidFill>
+                  <a:srgbClr val="FF0000"/>
+                </a:solidFill>
+              </a:rPr>
+              <a:t>VisualStudio</a:t>
+            </a:r>
+            <a:r>
+              <a:rPr lang="ja-JP" altLang="en-US" sz="3600" dirty="0"/>
+              <a:t>」にする</a:t>
+            </a:r>
+            <a:br>
+              <a:rPr lang="en-US" altLang="ja-JP" sz="3600" dirty="0"/>
+            </a:br>
+            <a:r>
+              <a:rPr lang="ja-JP" altLang="en-US" sz="3600" dirty="0"/>
+              <a:t>必要がある</a:t>
+            </a:r>
+            <a:endParaRPr lang="en-US" altLang="ja-JP" sz="3600" dirty="0"/>
+          </a:p>
+        </p:txBody>
+      </p:sp>
+      <p:pic>
+        <p:nvPicPr>
+          <p:cNvPr id="4" name="図 3">
+            <a:extLst>
+              <a:ext uri="{FF2B5EF4-FFF2-40B4-BE49-F238E27FC236}">
+                <a16:creationId xmlns:a16="http://schemas.microsoft.com/office/drawing/2014/main" id="{5B463BC6-B5A3-41A7-98CC-43A8CD68D67F}"/>
+              </a:ext>
+            </a:extLst>
+          </p:cNvPr>
+          <p:cNvPicPr>
+            <a:picLocks noChangeAspect="1"/>
+          </p:cNvPicPr>
+          <p:nvPr/>
+        </p:nvPicPr>
+        <p:blipFill>
+          <a:blip r:embed="rId2"/>
+          <a:stretch>
+            <a:fillRect/>
+          </a:stretch>
+        </p:blipFill>
+        <p:spPr>
+          <a:xfrm>
+            <a:off x="7111812" y="781712"/>
+            <a:ext cx="4601217" cy="5458587"/>
+          </a:xfrm>
+          <a:prstGeom prst="rect">
+            <a:avLst/>
+          </a:prstGeom>
+          <a:ln>
+            <a:solidFill>
+              <a:schemeClr val="tx1"/>
+            </a:solidFill>
+          </a:ln>
+        </p:spPr>
+      </p:pic>
+      <p:sp>
+        <p:nvSpPr>
+          <p:cNvPr id="5" name="正方形/長方形 4">
+            <a:extLst>
+              <a:ext uri="{FF2B5EF4-FFF2-40B4-BE49-F238E27FC236}">
+                <a16:creationId xmlns:a16="http://schemas.microsoft.com/office/drawing/2014/main" id="{019D9C7A-08F2-46FC-8A05-8D6FB3522731}"/>
+              </a:ext>
+            </a:extLst>
+          </p:cNvPr>
+          <p:cNvSpPr/>
+          <p:nvPr/>
+        </p:nvSpPr>
+        <p:spPr>
+          <a:xfrm>
+            <a:off x="7111812" y="3832174"/>
+            <a:ext cx="4601217" cy="739826"/>
+          </a:xfrm>
+          <a:prstGeom prst="rect">
+            <a:avLst/>
+          </a:prstGeom>
+          <a:noFill/>
+          <a:ln w="38100">
+            <a:solidFill>
+              <a:srgbClr val="FF0000"/>
+            </a:solidFill>
+          </a:ln>
+        </p:spPr>
+        <p:style>
+          <a:lnRef idx="2">
+            <a:schemeClr val="accent1">
+              <a:shade val="15000"/>
+            </a:schemeClr>
+          </a:lnRef>
+          <a:fillRef idx="1">
+            <a:schemeClr val="accent1"/>
+          </a:fillRef>
+          <a:effectRef idx="0">
+            <a:schemeClr val="accent1"/>
+          </a:effectRef>
+          <a:fontRef idx="minor">
+            <a:schemeClr val="lt1"/>
+          </a:fontRef>
+        </p:style>
+        <p:txBody>
+          <a:bodyPr rtlCol="0" anchor="ctr"/>
+          <a:lstStyle/>
+          <a:p>
+            <a:pPr algn="ctr"/>
+            <a:endParaRPr kumimoji="1" lang="ja-JP" altLang="en-US"/>
+          </a:p>
+        </p:txBody>
+      </p:sp>
+    </p:spTree>
+    <p:extLst>
+      <p:ext uri="{BB962C8B-B14F-4D97-AF65-F5344CB8AC3E}">
+        <p14:creationId xmlns:p14="http://schemas.microsoft.com/office/powerpoint/2010/main" val="883694696"/>
       </p:ext>
     </p:extLst>
   </p:cSld>

--- a/授業資料/GitHub登録方法.pptx
+++ b/授業資料/GitHub登録方法.pptx
@@ -373,7 +373,7 @@
           <a:p>
             <a:fld id="{1D8BD707-D9CF-40AE-B4C6-C98DA3205C09}" type="datetimeFigureOut">
               <a:rPr lang="en-US" smtClean="0"/>
-              <a:t>6/18/2025</a:t>
+              <a:t>6/20/2025</a:t>
             </a:fld>
             <a:endParaRPr lang="en-US"/>
           </a:p>
@@ -603,7 +603,7 @@
           <a:p>
             <a:fld id="{1D8BD707-D9CF-40AE-B4C6-C98DA3205C09}" type="datetimeFigureOut">
               <a:rPr lang="en-US" smtClean="0"/>
-              <a:t>6/18/2025</a:t>
+              <a:t>6/20/2025</a:t>
             </a:fld>
             <a:endParaRPr lang="en-US"/>
           </a:p>
@@ -843,7 +843,7 @@
           <a:p>
             <a:fld id="{1D8BD707-D9CF-40AE-B4C6-C98DA3205C09}" type="datetimeFigureOut">
               <a:rPr lang="en-US" smtClean="0"/>
-              <a:t>6/18/2025</a:t>
+              <a:t>6/20/2025</a:t>
             </a:fld>
             <a:endParaRPr lang="en-US"/>
           </a:p>
@@ -1089,7 +1089,7 @@
           <a:p>
             <a:fld id="{1D8BD707-D9CF-40AE-B4C6-C98DA3205C09}" type="datetimeFigureOut">
               <a:rPr lang="en-US" smtClean="0"/>
-              <a:t>6/18/2025</a:t>
+              <a:t>6/20/2025</a:t>
             </a:fld>
             <a:endParaRPr lang="en-US"/>
           </a:p>
@@ -1364,7 +1364,7 @@
           <a:p>
             <a:fld id="{1D8BD707-D9CF-40AE-B4C6-C98DA3205C09}" type="datetimeFigureOut">
               <a:rPr lang="en-US" smtClean="0"/>
-              <a:t>6/18/2025</a:t>
+              <a:t>6/20/2025</a:t>
             </a:fld>
             <a:endParaRPr lang="en-US"/>
           </a:p>
@@ -1693,7 +1693,7 @@
           <a:p>
             <a:fld id="{1D8BD707-D9CF-40AE-B4C6-C98DA3205C09}" type="datetimeFigureOut">
               <a:rPr lang="en-US" smtClean="0"/>
-              <a:t>6/18/2025</a:t>
+              <a:t>6/20/2025</a:t>
             </a:fld>
             <a:endParaRPr lang="en-US"/>
           </a:p>
@@ -2169,7 +2169,7 @@
           <a:p>
             <a:fld id="{1D8BD707-D9CF-40AE-B4C6-C98DA3205C09}" type="datetimeFigureOut">
               <a:rPr lang="en-US" smtClean="0"/>
-              <a:t>6/18/2025</a:t>
+              <a:t>6/20/2025</a:t>
             </a:fld>
             <a:endParaRPr lang="en-US"/>
           </a:p>
@@ -2310,7 +2310,7 @@
           <a:p>
             <a:fld id="{1D8BD707-D9CF-40AE-B4C6-C98DA3205C09}" type="datetimeFigureOut">
               <a:rPr lang="en-US" smtClean="0"/>
-              <a:t>6/18/2025</a:t>
+              <a:t>6/20/2025</a:t>
             </a:fld>
             <a:endParaRPr lang="en-US"/>
           </a:p>
@@ -2423,7 +2423,7 @@
           <a:p>
             <a:fld id="{1D8BD707-D9CF-40AE-B4C6-C98DA3205C09}" type="datetimeFigureOut">
               <a:rPr lang="en-US" smtClean="0"/>
-              <a:t>6/18/2025</a:t>
+              <a:t>6/20/2025</a:t>
             </a:fld>
             <a:endParaRPr lang="en-US"/>
           </a:p>
@@ -2766,7 +2766,7 @@
           <a:p>
             <a:fld id="{1D8BD707-D9CF-40AE-B4C6-C98DA3205C09}" type="datetimeFigureOut">
               <a:rPr lang="en-US" smtClean="0"/>
-              <a:t>6/18/2025</a:t>
+              <a:t>6/20/2025</a:t>
             </a:fld>
             <a:endParaRPr lang="en-US"/>
           </a:p>
@@ -3070,7 +3070,7 @@
           <a:p>
             <a:fld id="{1D8BD707-D9CF-40AE-B4C6-C98DA3205C09}" type="datetimeFigureOut">
               <a:rPr lang="en-US" smtClean="0"/>
-              <a:t>6/18/2025</a:t>
+              <a:t>6/20/2025</a:t>
             </a:fld>
             <a:endParaRPr lang="en-US"/>
           </a:p>
@@ -3343,7 +3343,7 @@
           <a:p>
             <a:fld id="{1D8BD707-D9CF-40AE-B4C6-C98DA3205C09}" type="datetimeFigureOut">
               <a:rPr lang="en-US" smtClean="0"/>
-              <a:t>6/18/2025</a:t>
+              <a:t>6/20/2025</a:t>
             </a:fld>
             <a:endParaRPr lang="en-US"/>
           </a:p>
@@ -6409,8 +6409,8 @@
         </p:nvSpPr>
         <p:spPr>
           <a:xfrm>
-            <a:off x="1862796" y="5100191"/>
-            <a:ext cx="5301451" cy="1077218"/>
+            <a:off x="381000" y="5553091"/>
+            <a:ext cx="5833648" cy="1077218"/>
           </a:xfrm>
           <a:prstGeom prst="rect">
             <a:avLst/>
@@ -6452,7 +6452,7 @@
                   <a:srgbClr val="FF0000"/>
                 </a:solidFill>
               </a:rPr>
-              <a:t>この画面は表示されない</a:t>
+              <a:t>この画面は表示されないかも？</a:t>
             </a:r>
           </a:p>
         </p:txBody>
@@ -12598,56 +12598,90 @@
       </p:sp>
       <p:sp>
         <p:nvSpPr>
-          <p:cNvPr id="11" name="正方形/長方形 10">
-            <a:extLst>
-              <a:ext uri="{FF2B5EF4-FFF2-40B4-BE49-F238E27FC236}">
-                <a16:creationId xmlns:a16="http://schemas.microsoft.com/office/drawing/2014/main" id="{ABC3F98E-65F9-D6F1-683D-F65E2957A26F}"/>
-              </a:ext>
-            </a:extLst>
-          </p:cNvPr>
-          <p:cNvSpPr/>
+          <p:cNvPr id="4" name="テキスト ボックス 3">
+            <a:extLst>
+              <a:ext uri="{FF2B5EF4-FFF2-40B4-BE49-F238E27FC236}">
+                <a16:creationId xmlns:a16="http://schemas.microsoft.com/office/drawing/2014/main" id="{97ADE139-61F4-49A3-AA48-BA0330A61CA7}"/>
+              </a:ext>
+            </a:extLst>
+          </p:cNvPr>
+          <p:cNvSpPr txBox="1"/>
           <p:nvPr/>
         </p:nvSpPr>
         <p:spPr>
           <a:xfrm>
-            <a:off x="6788888" y="3677393"/>
-            <a:ext cx="297712" cy="304800"/>
+            <a:off x="8245929" y="1068501"/>
+            <a:ext cx="1901483" cy="461665"/>
           </a:xfrm>
           <a:prstGeom prst="rect">
             <a:avLst/>
           </a:prstGeom>
           <a:noFill/>
-          <a:ln w="38100">
+        </p:spPr>
+        <p:txBody>
+          <a:bodyPr wrap="none" rtlCol="0">
+            <a:spAutoFit/>
+          </a:bodyPr>
+          <a:lstStyle/>
+          <a:p>
+            <a:r>
+              <a:rPr kumimoji="1" lang="en-US" altLang="ja-JP" sz="2400" dirty="0">
+                <a:solidFill>
+                  <a:srgbClr val="FF0000"/>
+                </a:solidFill>
+              </a:rPr>
+              <a:t>clang2025</a:t>
+            </a:r>
+            <a:endParaRPr kumimoji="1" lang="ja-JP" altLang="en-US" sz="2400" dirty="0">
+              <a:solidFill>
+                <a:srgbClr val="FF0000"/>
+              </a:solidFill>
+            </a:endParaRPr>
+          </a:p>
+        </p:txBody>
+      </p:sp>
+      <p:cxnSp>
+        <p:nvCxnSpPr>
+          <p:cNvPr id="6" name="直線矢印コネクタ 5">
+            <a:extLst>
+              <a:ext uri="{FF2B5EF4-FFF2-40B4-BE49-F238E27FC236}">
+                <a16:creationId xmlns:a16="http://schemas.microsoft.com/office/drawing/2014/main" id="{26CE2EB3-C07A-4789-BC53-178BDF91F7B6}"/>
+              </a:ext>
+            </a:extLst>
+          </p:cNvPr>
+          <p:cNvCxnSpPr/>
+          <p:nvPr/>
+        </p:nvCxnSpPr>
+        <p:spPr>
+          <a:xfrm flipH="1">
+            <a:off x="7086600" y="1423530"/>
+            <a:ext cx="1143000" cy="441736"/>
+          </a:xfrm>
+          <a:prstGeom prst="straightConnector1">
+            <a:avLst/>
+          </a:prstGeom>
+          <a:ln w="57150">
             <a:solidFill>
               <a:srgbClr val="FF0000"/>
             </a:solidFill>
+            <a:tailEnd type="triangle"/>
           </a:ln>
         </p:spPr>
         <p:style>
-          <a:lnRef idx="2">
-            <a:schemeClr val="accent1">
-              <a:shade val="15000"/>
-            </a:schemeClr>
+          <a:lnRef idx="1">
+            <a:schemeClr val="accent1"/>
           </a:lnRef>
-          <a:fillRef idx="1">
+          <a:fillRef idx="0">
             <a:schemeClr val="accent1"/>
           </a:fillRef>
           <a:effectRef idx="0">
             <a:schemeClr val="accent1"/>
           </a:effectRef>
           <a:fontRef idx="minor">
-            <a:schemeClr val="lt1"/>
+            <a:schemeClr val="tx1"/>
           </a:fontRef>
         </p:style>
-        <p:txBody>
-          <a:bodyPr rtlCol="0" anchor="ctr"/>
-          <a:lstStyle/>
-          <a:p>
-            <a:pPr algn="ctr"/>
-            <a:endParaRPr kumimoji="1" lang="ja-JP" altLang="en-US"/>
-          </a:p>
-        </p:txBody>
-      </p:sp>
+      </p:cxnSp>
     </p:spTree>
     <p:extLst>
       <p:ext uri="{BB962C8B-B14F-4D97-AF65-F5344CB8AC3E}">
@@ -13044,10 +13078,10 @@
       </p:sp>
       <p:sp>
         <p:nvSpPr>
-          <p:cNvPr id="11" name="正方形/長方形 10">
-            <a:extLst>
-              <a:ext uri="{FF2B5EF4-FFF2-40B4-BE49-F238E27FC236}">
-                <a16:creationId xmlns:a16="http://schemas.microsoft.com/office/drawing/2014/main" id="{ABC3F98E-65F9-D6F1-683D-F65E2957A26F}"/>
+          <p:cNvPr id="4" name="矢印: 下 3">
+            <a:extLst>
+              <a:ext uri="{FF2B5EF4-FFF2-40B4-BE49-F238E27FC236}">
+                <a16:creationId xmlns:a16="http://schemas.microsoft.com/office/drawing/2014/main" id="{26FB42C6-25DD-CF73-8081-9DCCBD54D87D}"/>
               </a:ext>
             </a:extLst>
           </p:cNvPr>
@@ -13056,18 +13090,15 @@
         </p:nvSpPr>
         <p:spPr>
           <a:xfrm>
-            <a:off x="6788888" y="3677393"/>
-            <a:ext cx="297712" cy="304800"/>
-          </a:xfrm>
-          <a:prstGeom prst="rect">
+            <a:off x="9105900" y="5592474"/>
+            <a:ext cx="457200" cy="533400"/>
+          </a:xfrm>
+          <a:prstGeom prst="downArrow">
             <a:avLst/>
           </a:prstGeom>
-          <a:noFill/>
-          <a:ln w="38100">
-            <a:solidFill>
-              <a:srgbClr val="FF0000"/>
-            </a:solidFill>
-          </a:ln>
+          <a:solidFill>
+            <a:srgbClr val="FF0000"/>
+          </a:solidFill>
         </p:spPr>
         <p:style>
           <a:lnRef idx="2">
@@ -13096,53 +13127,90 @@
       </p:sp>
       <p:sp>
         <p:nvSpPr>
-          <p:cNvPr id="4" name="矢印: 下 3">
-            <a:extLst>
-              <a:ext uri="{FF2B5EF4-FFF2-40B4-BE49-F238E27FC236}">
-                <a16:creationId xmlns:a16="http://schemas.microsoft.com/office/drawing/2014/main" id="{26FB42C6-25DD-CF73-8081-9DCCBD54D87D}"/>
-              </a:ext>
-            </a:extLst>
-          </p:cNvPr>
-          <p:cNvSpPr/>
+          <p:cNvPr id="12" name="テキスト ボックス 11">
+            <a:extLst>
+              <a:ext uri="{FF2B5EF4-FFF2-40B4-BE49-F238E27FC236}">
+                <a16:creationId xmlns:a16="http://schemas.microsoft.com/office/drawing/2014/main" id="{EF85F84A-1EC9-4C3C-82B3-16B95DD40B93}"/>
+              </a:ext>
+            </a:extLst>
+          </p:cNvPr>
+          <p:cNvSpPr txBox="1"/>
           <p:nvPr/>
         </p:nvSpPr>
         <p:spPr>
           <a:xfrm>
-            <a:off x="9105900" y="5592474"/>
-            <a:ext cx="457200" cy="533400"/>
-          </a:xfrm>
-          <a:prstGeom prst="downArrow">
+            <a:off x="8245929" y="1068501"/>
+            <a:ext cx="1901483" cy="461665"/>
+          </a:xfrm>
+          <a:prstGeom prst="rect">
             <a:avLst/>
           </a:prstGeom>
-          <a:solidFill>
-            <a:srgbClr val="FF0000"/>
-          </a:solidFill>
+          <a:noFill/>
+        </p:spPr>
+        <p:txBody>
+          <a:bodyPr wrap="none" rtlCol="0">
+            <a:spAutoFit/>
+          </a:bodyPr>
+          <a:lstStyle/>
+          <a:p>
+            <a:r>
+              <a:rPr kumimoji="1" lang="en-US" altLang="ja-JP" sz="2400" dirty="0">
+                <a:solidFill>
+                  <a:srgbClr val="FF0000"/>
+                </a:solidFill>
+              </a:rPr>
+              <a:t>clang2025</a:t>
+            </a:r>
+            <a:endParaRPr kumimoji="1" lang="ja-JP" altLang="en-US" sz="2400" dirty="0">
+              <a:solidFill>
+                <a:srgbClr val="FF0000"/>
+              </a:solidFill>
+            </a:endParaRPr>
+          </a:p>
+        </p:txBody>
+      </p:sp>
+      <p:cxnSp>
+        <p:nvCxnSpPr>
+          <p:cNvPr id="13" name="直線矢印コネクタ 12">
+            <a:extLst>
+              <a:ext uri="{FF2B5EF4-FFF2-40B4-BE49-F238E27FC236}">
+                <a16:creationId xmlns:a16="http://schemas.microsoft.com/office/drawing/2014/main" id="{8A85ACD2-E09B-4ED2-9566-2EC31E5F45DA}"/>
+              </a:ext>
+            </a:extLst>
+          </p:cNvPr>
+          <p:cNvCxnSpPr/>
+          <p:nvPr/>
+        </p:nvCxnSpPr>
+        <p:spPr>
+          <a:xfrm flipH="1">
+            <a:off x="7086600" y="1423530"/>
+            <a:ext cx="1143000" cy="441736"/>
+          </a:xfrm>
+          <a:prstGeom prst="straightConnector1">
+            <a:avLst/>
+          </a:prstGeom>
+          <a:ln w="57150">
+            <a:solidFill>
+              <a:srgbClr val="FF0000"/>
+            </a:solidFill>
+            <a:tailEnd type="triangle"/>
+          </a:ln>
         </p:spPr>
         <p:style>
-          <a:lnRef idx="2">
-            <a:schemeClr val="accent1">
-              <a:shade val="15000"/>
-            </a:schemeClr>
+          <a:lnRef idx="1">
+            <a:schemeClr val="accent1"/>
           </a:lnRef>
-          <a:fillRef idx="1">
+          <a:fillRef idx="0">
             <a:schemeClr val="accent1"/>
           </a:fillRef>
           <a:effectRef idx="0">
             <a:schemeClr val="accent1"/>
           </a:effectRef>
           <a:fontRef idx="minor">
-            <a:schemeClr val="lt1"/>
+            <a:schemeClr val="tx1"/>
           </a:fontRef>
         </p:style>
-        <p:txBody>
-          <a:bodyPr rtlCol="0" anchor="ctr"/>
-          <a:lstStyle/>
-          <a:p>
-            <a:pPr algn="ctr"/>
-            <a:endParaRPr kumimoji="1" lang="ja-JP" altLang="en-US"/>
-          </a:p>
-        </p:txBody>
-      </p:sp>
+      </p:cxnSp>
     </p:spTree>
     <p:extLst>
       <p:ext uri="{BB962C8B-B14F-4D97-AF65-F5344CB8AC3E}">
@@ -13157,7 +13225,7 @@
 </file>
 
 <file path=ppt/slides/slide42.xml><?xml version="1.0" encoding="utf-8"?>
-<p:sld xmlns:a="http://schemas.openxmlformats.org/drawingml/2006/main" xmlns:r="http://schemas.openxmlformats.org/officeDocument/2006/relationships" xmlns:p="http://schemas.openxmlformats.org/presentationml/2006/main">
+<p:sld xmlns:a="http://schemas.openxmlformats.org/drawingml/2006/main" xmlns:r="http://schemas.openxmlformats.org/officeDocument/2006/relationships" xmlns:p="http://schemas.openxmlformats.org/presentationml/2006/main" show="0">
   <p:cSld>
     <p:spTree>
       <p:nvGrpSpPr>
@@ -13807,7 +13875,7 @@
           <a:graphicData uri="http://schemas.openxmlformats.org/presentationml/2006/ole">
             <mc:AlternateContent xmlns:mc="http://schemas.openxmlformats.org/markup-compatibility/2006">
               <mc:Choice xmlns:v="urn:schemas-microsoft-com:vml" Requires="v">
-                <p:oleObj spid="_x0000_s2052" r:id="rId3" imgW="12511119" imgH="8719558" progId="">
+                <p:oleObj spid="_x0000_s2056" r:id="rId3" imgW="12511119" imgH="8719558" progId="">
                   <p:embed/>
                 </p:oleObj>
               </mc:Choice>
@@ -14072,59 +14140,12 @@
           </a:p>
         </p:txBody>
       </p:sp>
-      <p:sp>
-        <p:nvSpPr>
-          <p:cNvPr id="6" name="テキスト ボックス 5">
-            <a:extLst>
-              <a:ext uri="{FF2B5EF4-FFF2-40B4-BE49-F238E27FC236}">
-                <a16:creationId xmlns:a16="http://schemas.microsoft.com/office/drawing/2014/main" id="{9354CB41-C6FF-3B66-9071-EF7B99E866BF}"/>
-              </a:ext>
-            </a:extLst>
-          </p:cNvPr>
-          <p:cNvSpPr txBox="1"/>
-          <p:nvPr/>
-        </p:nvSpPr>
-        <p:spPr>
-          <a:xfrm>
-            <a:off x="3124200" y="6262042"/>
-            <a:ext cx="5589992" cy="461665"/>
-          </a:xfrm>
-          <a:prstGeom prst="rect">
-            <a:avLst/>
-          </a:prstGeom>
-          <a:noFill/>
-        </p:spPr>
-        <p:txBody>
-          <a:bodyPr wrap="none" rtlCol="0">
-            <a:spAutoFit/>
-          </a:bodyPr>
-          <a:lstStyle/>
-          <a:p>
-            <a:r>
-              <a:rPr kumimoji="1" lang="en-US" altLang="ja-JP" sz="2400" dirty="0"/>
-              <a:t>※</a:t>
-            </a:r>
-            <a:r>
-              <a:rPr kumimoji="1" lang="ja-JP" altLang="en-US" sz="2400" dirty="0"/>
-              <a:t>この例ではリポジトリ名は「</a:t>
-            </a:r>
-            <a:r>
-              <a:rPr kumimoji="1" lang="en-US" altLang="ja-JP" sz="2400" dirty="0"/>
-              <a:t>clang24</a:t>
-            </a:r>
-            <a:r>
-              <a:rPr kumimoji="1" lang="ja-JP" altLang="en-US" sz="2400" dirty="0"/>
-              <a:t>」</a:t>
-            </a:r>
-          </a:p>
-        </p:txBody>
-      </p:sp>
       <p:pic>
         <p:nvPicPr>
-          <p:cNvPr id="7" name="図 6">
-            <a:extLst>
-              <a:ext uri="{FF2B5EF4-FFF2-40B4-BE49-F238E27FC236}">
-                <a16:creationId xmlns:a16="http://schemas.microsoft.com/office/drawing/2014/main" id="{B56AC40D-E134-E547-7B14-24E6C4AEE264}"/>
+          <p:cNvPr id="4" name="図 3">
+            <a:extLst>
+              <a:ext uri="{FF2B5EF4-FFF2-40B4-BE49-F238E27FC236}">
+                <a16:creationId xmlns:a16="http://schemas.microsoft.com/office/drawing/2014/main" id="{C9A65B3D-8599-4D5D-8172-20EB421B0EAE}"/>
               </a:ext>
             </a:extLst>
           </p:cNvPr>
@@ -14141,8 +14162,8 @@
         </p:blipFill>
         <p:spPr>
           <a:xfrm>
-            <a:off x="3124200" y="3531856"/>
-            <a:ext cx="5715000" cy="2730186"/>
+            <a:off x="2243493" y="3671397"/>
+            <a:ext cx="7476413" cy="2788821"/>
           </a:xfrm>
           <a:prstGeom prst="rect">
             <a:avLst/>
@@ -14156,10 +14177,10 @@
       </p:pic>
       <p:sp>
         <p:nvSpPr>
-          <p:cNvPr id="8" name="正方形/長方形 7">
-            <a:extLst>
-              <a:ext uri="{FF2B5EF4-FFF2-40B4-BE49-F238E27FC236}">
-                <a16:creationId xmlns:a16="http://schemas.microsoft.com/office/drawing/2014/main" id="{E7D725F2-EA3E-5262-832C-1C8E56497F64}"/>
+          <p:cNvPr id="9" name="正方形/長方形 8">
+            <a:extLst>
+              <a:ext uri="{FF2B5EF4-FFF2-40B4-BE49-F238E27FC236}">
+                <a16:creationId xmlns:a16="http://schemas.microsoft.com/office/drawing/2014/main" id="{1BA6214A-3ECB-44BE-A3FB-3467614555B9}"/>
               </a:ext>
             </a:extLst>
           </p:cNvPr>
@@ -14168,8 +14189,8 @@
         </p:nvSpPr>
         <p:spPr>
           <a:xfrm>
-            <a:off x="3352800" y="4191000"/>
-            <a:ext cx="1447800" cy="461664"/>
+            <a:off x="2265264" y="4267200"/>
+            <a:ext cx="2154336" cy="533400"/>
           </a:xfrm>
           <a:prstGeom prst="rect">
             <a:avLst/>
